--- a/Docs/Figuras.pptx
+++ b/Docs/Figuras.pptx
@@ -11,6 +11,12 @@
     <p:sldId id="259" r:id="rId5"/>
     <p:sldId id="260" r:id="rId6"/>
     <p:sldId id="261" r:id="rId7"/>
+    <p:sldId id="262" r:id="rId8"/>
+    <p:sldId id="263" r:id="rId9"/>
+    <p:sldId id="264" r:id="rId10"/>
+    <p:sldId id="266" r:id="rId11"/>
+    <p:sldId id="265" r:id="rId12"/>
+    <p:sldId id="267" r:id="rId13"/>
   </p:sldIdLst>
   <p:sldSz cx="12192000" cy="6858000"/>
   <p:notesSz cx="6858000" cy="9144000"/>
@@ -264,7 +270,7 @@
           <a:p>
             <a:fld id="{73C5A435-40A0-4228-B584-F09B2D1225A1}" type="datetimeFigureOut">
               <a:rPr lang="pt-BR" smtClean="0"/>
-              <a:t>01/05/2023</a:t>
+              <a:t>15/05/2023</a:t>
             </a:fld>
             <a:endParaRPr lang="pt-BR"/>
           </a:p>
@@ -462,7 +468,7 @@
           <a:p>
             <a:fld id="{73C5A435-40A0-4228-B584-F09B2D1225A1}" type="datetimeFigureOut">
               <a:rPr lang="pt-BR" smtClean="0"/>
-              <a:t>01/05/2023</a:t>
+              <a:t>15/05/2023</a:t>
             </a:fld>
             <a:endParaRPr lang="pt-BR"/>
           </a:p>
@@ -670,7 +676,7 @@
           <a:p>
             <a:fld id="{73C5A435-40A0-4228-B584-F09B2D1225A1}" type="datetimeFigureOut">
               <a:rPr lang="pt-BR" smtClean="0"/>
-              <a:t>01/05/2023</a:t>
+              <a:t>15/05/2023</a:t>
             </a:fld>
             <a:endParaRPr lang="pt-BR"/>
           </a:p>
@@ -868,7 +874,7 @@
           <a:p>
             <a:fld id="{73C5A435-40A0-4228-B584-F09B2D1225A1}" type="datetimeFigureOut">
               <a:rPr lang="pt-BR" smtClean="0"/>
-              <a:t>01/05/2023</a:t>
+              <a:t>15/05/2023</a:t>
             </a:fld>
             <a:endParaRPr lang="pt-BR"/>
           </a:p>
@@ -1143,7 +1149,7 @@
           <a:p>
             <a:fld id="{73C5A435-40A0-4228-B584-F09B2D1225A1}" type="datetimeFigureOut">
               <a:rPr lang="pt-BR" smtClean="0"/>
-              <a:t>01/05/2023</a:t>
+              <a:t>15/05/2023</a:t>
             </a:fld>
             <a:endParaRPr lang="pt-BR"/>
           </a:p>
@@ -1408,7 +1414,7 @@
           <a:p>
             <a:fld id="{73C5A435-40A0-4228-B584-F09B2D1225A1}" type="datetimeFigureOut">
               <a:rPr lang="pt-BR" smtClean="0"/>
-              <a:t>01/05/2023</a:t>
+              <a:t>15/05/2023</a:t>
             </a:fld>
             <a:endParaRPr lang="pt-BR"/>
           </a:p>
@@ -1820,7 +1826,7 @@
           <a:p>
             <a:fld id="{73C5A435-40A0-4228-B584-F09B2D1225A1}" type="datetimeFigureOut">
               <a:rPr lang="pt-BR" smtClean="0"/>
-              <a:t>01/05/2023</a:t>
+              <a:t>15/05/2023</a:t>
             </a:fld>
             <a:endParaRPr lang="pt-BR"/>
           </a:p>
@@ -1961,7 +1967,7 @@
           <a:p>
             <a:fld id="{73C5A435-40A0-4228-B584-F09B2D1225A1}" type="datetimeFigureOut">
               <a:rPr lang="pt-BR" smtClean="0"/>
-              <a:t>01/05/2023</a:t>
+              <a:t>15/05/2023</a:t>
             </a:fld>
             <a:endParaRPr lang="pt-BR"/>
           </a:p>
@@ -2074,7 +2080,7 @@
           <a:p>
             <a:fld id="{73C5A435-40A0-4228-B584-F09B2D1225A1}" type="datetimeFigureOut">
               <a:rPr lang="pt-BR" smtClean="0"/>
-              <a:t>01/05/2023</a:t>
+              <a:t>15/05/2023</a:t>
             </a:fld>
             <a:endParaRPr lang="pt-BR"/>
           </a:p>
@@ -2385,7 +2391,7 @@
           <a:p>
             <a:fld id="{73C5A435-40A0-4228-B584-F09B2D1225A1}" type="datetimeFigureOut">
               <a:rPr lang="pt-BR" smtClean="0"/>
-              <a:t>01/05/2023</a:t>
+              <a:t>15/05/2023</a:t>
             </a:fld>
             <a:endParaRPr lang="pt-BR"/>
           </a:p>
@@ -2673,7 +2679,7 @@
           <a:p>
             <a:fld id="{73C5A435-40A0-4228-B584-F09B2D1225A1}" type="datetimeFigureOut">
               <a:rPr lang="pt-BR" smtClean="0"/>
-              <a:t>01/05/2023</a:t>
+              <a:t>15/05/2023</a:t>
             </a:fld>
             <a:endParaRPr lang="pt-BR"/>
           </a:p>
@@ -2914,7 +2920,7 @@
           <a:p>
             <a:fld id="{73C5A435-40A0-4228-B584-F09B2D1225A1}" type="datetimeFigureOut">
               <a:rPr lang="pt-BR" smtClean="0"/>
-              <a:t>01/05/2023</a:t>
+              <a:t>15/05/2023</a:t>
             </a:fld>
             <a:endParaRPr lang="pt-BR"/>
           </a:p>
@@ -3394,6 +3400,2154 @@
 </p:sld>
 </file>
 
+<file path=ppt/slides/slide10.xml><?xml version="1.0" encoding="utf-8"?>
+<p:sld xmlns:a="http://schemas.openxmlformats.org/drawingml/2006/main" xmlns:r="http://schemas.openxmlformats.org/officeDocument/2006/relationships" xmlns:p="http://schemas.openxmlformats.org/presentationml/2006/main">
+  <p:cSld>
+    <p:spTree>
+      <p:nvGrpSpPr>
+        <p:cNvPr id="1" name=""/>
+        <p:cNvGrpSpPr/>
+        <p:nvPr/>
+      </p:nvGrpSpPr>
+      <p:grpSpPr>
+        <a:xfrm>
+          <a:off x="0" y="0"/>
+          <a:ext cx="0" cy="0"/>
+          <a:chOff x="0" y="0"/>
+          <a:chExt cx="0" cy="0"/>
+        </a:xfrm>
+      </p:grpSpPr>
+      <p:sp>
+        <p:nvSpPr>
+          <p:cNvPr id="4" name="Retângulo 3">
+            <a:extLst>
+              <a:ext uri="{FF2B5EF4-FFF2-40B4-BE49-F238E27FC236}">
+                <a16:creationId xmlns:a16="http://schemas.microsoft.com/office/drawing/2014/main" id="{1204067E-AE1B-611E-82C9-4FFE28E13DF7}"/>
+              </a:ext>
+            </a:extLst>
+          </p:cNvPr>
+          <p:cNvSpPr/>
+          <p:nvPr/>
+        </p:nvSpPr>
+        <p:spPr>
+          <a:xfrm>
+            <a:off x="120207" y="2863581"/>
+            <a:ext cx="2524259" cy="605307"/>
+          </a:xfrm>
+          <a:prstGeom prst="rect">
+            <a:avLst/>
+          </a:prstGeom>
+          <a:solidFill>
+            <a:srgbClr val="E2D0DA"/>
+          </a:solidFill>
+        </p:spPr>
+        <p:style>
+          <a:lnRef idx="2">
+            <a:schemeClr val="accent1">
+              <a:shade val="50000"/>
+            </a:schemeClr>
+          </a:lnRef>
+          <a:fillRef idx="1">
+            <a:schemeClr val="accent1"/>
+          </a:fillRef>
+          <a:effectRef idx="0">
+            <a:schemeClr val="accent1"/>
+          </a:effectRef>
+          <a:fontRef idx="minor">
+            <a:schemeClr val="lt1"/>
+          </a:fontRef>
+        </p:style>
+        <p:txBody>
+          <a:bodyPr rtlCol="0" anchor="ctr"/>
+          <a:lstStyle/>
+          <a:p>
+            <a:pPr algn="ctr"/>
+            <a:r>
+              <a:rPr lang="pt-BR" dirty="0">
+                <a:solidFill>
+                  <a:srgbClr val="D468EA"/>
+                </a:solidFill>
+              </a:rPr>
+              <a:t>Header</a:t>
+            </a:r>
+          </a:p>
+        </p:txBody>
+      </p:sp>
+      <p:sp>
+        <p:nvSpPr>
+          <p:cNvPr id="5" name="Retângulo 4">
+            <a:extLst>
+              <a:ext uri="{FF2B5EF4-FFF2-40B4-BE49-F238E27FC236}">
+                <a16:creationId xmlns:a16="http://schemas.microsoft.com/office/drawing/2014/main" id="{B6B6865F-7232-BAFE-D25E-E050B5A53EA0}"/>
+              </a:ext>
+            </a:extLst>
+          </p:cNvPr>
+          <p:cNvSpPr/>
+          <p:nvPr/>
+        </p:nvSpPr>
+        <p:spPr>
+          <a:xfrm>
+            <a:off x="120206" y="3512891"/>
+            <a:ext cx="2524259" cy="605307"/>
+          </a:xfrm>
+          <a:prstGeom prst="rect">
+            <a:avLst/>
+          </a:prstGeom>
+          <a:solidFill>
+            <a:srgbClr val="D6D1E7"/>
+          </a:solidFill>
+        </p:spPr>
+        <p:style>
+          <a:lnRef idx="2">
+            <a:schemeClr val="accent1">
+              <a:shade val="50000"/>
+            </a:schemeClr>
+          </a:lnRef>
+          <a:fillRef idx="1">
+            <a:schemeClr val="accent1"/>
+          </a:fillRef>
+          <a:effectRef idx="0">
+            <a:schemeClr val="accent1"/>
+          </a:effectRef>
+          <a:fontRef idx="minor">
+            <a:schemeClr val="lt1"/>
+          </a:fontRef>
+        </p:style>
+        <p:txBody>
+          <a:bodyPr rtlCol="0" anchor="ctr"/>
+          <a:lstStyle/>
+          <a:p>
+            <a:pPr algn="ctr"/>
+            <a:r>
+              <a:rPr lang="pt-BR" dirty="0">
+                <a:solidFill>
+                  <a:schemeClr val="accent5">
+                    <a:lumMod val="75000"/>
+                  </a:schemeClr>
+                </a:solidFill>
+              </a:rPr>
+              <a:t>Data</a:t>
+            </a:r>
+          </a:p>
+        </p:txBody>
+      </p:sp>
+      <p:sp>
+        <p:nvSpPr>
+          <p:cNvPr id="6" name="Retângulo 5">
+            <a:extLst>
+              <a:ext uri="{FF2B5EF4-FFF2-40B4-BE49-F238E27FC236}">
+                <a16:creationId xmlns:a16="http://schemas.microsoft.com/office/drawing/2014/main" id="{042B66BD-1032-A4E4-6BA1-389F102A88B1}"/>
+              </a:ext>
+            </a:extLst>
+          </p:cNvPr>
+          <p:cNvSpPr/>
+          <p:nvPr/>
+        </p:nvSpPr>
+        <p:spPr>
+          <a:xfrm>
+            <a:off x="120206" y="4166315"/>
+            <a:ext cx="2524259" cy="605307"/>
+          </a:xfrm>
+          <a:prstGeom prst="rect">
+            <a:avLst/>
+          </a:prstGeom>
+          <a:solidFill>
+            <a:srgbClr val="F4E4CD"/>
+          </a:solidFill>
+        </p:spPr>
+        <p:style>
+          <a:lnRef idx="2">
+            <a:schemeClr val="accent1">
+              <a:shade val="50000"/>
+            </a:schemeClr>
+          </a:lnRef>
+          <a:fillRef idx="1">
+            <a:schemeClr val="accent1"/>
+          </a:fillRef>
+          <a:effectRef idx="0">
+            <a:schemeClr val="accent1"/>
+          </a:effectRef>
+          <a:fontRef idx="minor">
+            <a:schemeClr val="lt1"/>
+          </a:fontRef>
+        </p:style>
+        <p:txBody>
+          <a:bodyPr rtlCol="0" anchor="ctr"/>
+          <a:lstStyle/>
+          <a:p>
+            <a:pPr algn="ctr"/>
+            <a:r>
+              <a:rPr lang="pt-BR" dirty="0">
+                <a:solidFill>
+                  <a:srgbClr val="DEA03A"/>
+                </a:solidFill>
+              </a:rPr>
+              <a:t>Metadata</a:t>
+            </a:r>
+          </a:p>
+        </p:txBody>
+      </p:sp>
+      <p:sp>
+        <p:nvSpPr>
+          <p:cNvPr id="10" name="Retângulo 9">
+            <a:extLst>
+              <a:ext uri="{FF2B5EF4-FFF2-40B4-BE49-F238E27FC236}">
+                <a16:creationId xmlns:a16="http://schemas.microsoft.com/office/drawing/2014/main" id="{64322E89-11A0-EE83-3F49-C12118E6877C}"/>
+              </a:ext>
+            </a:extLst>
+          </p:cNvPr>
+          <p:cNvSpPr/>
+          <p:nvPr/>
+        </p:nvSpPr>
+        <p:spPr>
+          <a:xfrm>
+            <a:off x="2817973" y="2522355"/>
+            <a:ext cx="1591450" cy="2968517"/>
+          </a:xfrm>
+          <a:prstGeom prst="rect">
+            <a:avLst/>
+          </a:prstGeom>
+          <a:solidFill>
+            <a:srgbClr val="F4E4CD"/>
+          </a:solidFill>
+          <a:ln w="28575">
+            <a:solidFill>
+              <a:schemeClr val="accent2">
+                <a:lumMod val="40000"/>
+                <a:lumOff val="60000"/>
+              </a:schemeClr>
+            </a:solidFill>
+          </a:ln>
+        </p:spPr>
+        <p:style>
+          <a:lnRef idx="2">
+            <a:schemeClr val="accent1">
+              <a:shade val="50000"/>
+            </a:schemeClr>
+          </a:lnRef>
+          <a:fillRef idx="1">
+            <a:schemeClr val="accent1"/>
+          </a:fillRef>
+          <a:effectRef idx="0">
+            <a:schemeClr val="accent1"/>
+          </a:effectRef>
+          <a:fontRef idx="minor">
+            <a:schemeClr val="lt1"/>
+          </a:fontRef>
+        </p:style>
+        <p:txBody>
+          <a:bodyPr rtlCol="0" anchor="ctr"/>
+          <a:lstStyle/>
+          <a:p>
+            <a:pPr algn="ctr"/>
+            <a:endParaRPr lang="pt-BR"/>
+          </a:p>
+        </p:txBody>
+      </p:sp>
+      <p:sp>
+        <p:nvSpPr>
+          <p:cNvPr id="11" name="Retângulo 10">
+            <a:extLst>
+              <a:ext uri="{FF2B5EF4-FFF2-40B4-BE49-F238E27FC236}">
+                <a16:creationId xmlns:a16="http://schemas.microsoft.com/office/drawing/2014/main" id="{54770F5E-A127-C0F8-E508-8D02FC28F3F6}"/>
+              </a:ext>
+            </a:extLst>
+          </p:cNvPr>
+          <p:cNvSpPr/>
+          <p:nvPr/>
+        </p:nvSpPr>
+        <p:spPr>
+          <a:xfrm>
+            <a:off x="2972520" y="2841466"/>
+            <a:ext cx="1167576" cy="504000"/>
+          </a:xfrm>
+          <a:prstGeom prst="rect">
+            <a:avLst/>
+          </a:prstGeom>
+          <a:solidFill>
+            <a:srgbClr val="EBC99D"/>
+          </a:solidFill>
+          <a:ln w="6350">
+            <a:solidFill>
+              <a:schemeClr val="bg2">
+                <a:lumMod val="50000"/>
+              </a:schemeClr>
+            </a:solidFill>
+          </a:ln>
+        </p:spPr>
+        <p:style>
+          <a:lnRef idx="2">
+            <a:schemeClr val="accent1">
+              <a:shade val="50000"/>
+            </a:schemeClr>
+          </a:lnRef>
+          <a:fillRef idx="1">
+            <a:schemeClr val="accent1"/>
+          </a:fillRef>
+          <a:effectRef idx="0">
+            <a:schemeClr val="accent1"/>
+          </a:effectRef>
+          <a:fontRef idx="minor">
+            <a:schemeClr val="lt1"/>
+          </a:fontRef>
+        </p:style>
+        <p:txBody>
+          <a:bodyPr rtlCol="0" anchor="ctr"/>
+          <a:lstStyle/>
+          <a:p>
+            <a:pPr algn="ctr"/>
+            <a:r>
+              <a:rPr lang="pt-BR" sz="1100" dirty="0">
+                <a:solidFill>
+                  <a:schemeClr val="tx1"/>
+                </a:solidFill>
+              </a:rPr>
+              <a:t>Transação #1</a:t>
+            </a:r>
+          </a:p>
+        </p:txBody>
+      </p:sp>
+      <p:sp>
+        <p:nvSpPr>
+          <p:cNvPr id="2" name="Retângulo 1">
+            <a:extLst>
+              <a:ext uri="{FF2B5EF4-FFF2-40B4-BE49-F238E27FC236}">
+                <a16:creationId xmlns:a16="http://schemas.microsoft.com/office/drawing/2014/main" id="{732FE7FB-6A95-F7B2-D4A5-7D420DF921C6}"/>
+              </a:ext>
+            </a:extLst>
+          </p:cNvPr>
+          <p:cNvSpPr/>
+          <p:nvPr/>
+        </p:nvSpPr>
+        <p:spPr>
+          <a:xfrm>
+            <a:off x="2978960" y="3448919"/>
+            <a:ext cx="1167576" cy="504000"/>
+          </a:xfrm>
+          <a:prstGeom prst="rect">
+            <a:avLst/>
+          </a:prstGeom>
+          <a:solidFill>
+            <a:srgbClr val="EBC99D"/>
+          </a:solidFill>
+          <a:ln w="6350">
+            <a:solidFill>
+              <a:schemeClr val="bg2">
+                <a:lumMod val="50000"/>
+              </a:schemeClr>
+            </a:solidFill>
+          </a:ln>
+        </p:spPr>
+        <p:style>
+          <a:lnRef idx="2">
+            <a:schemeClr val="accent1">
+              <a:shade val="50000"/>
+            </a:schemeClr>
+          </a:lnRef>
+          <a:fillRef idx="1">
+            <a:schemeClr val="accent1"/>
+          </a:fillRef>
+          <a:effectRef idx="0">
+            <a:schemeClr val="accent1"/>
+          </a:effectRef>
+          <a:fontRef idx="minor">
+            <a:schemeClr val="lt1"/>
+          </a:fontRef>
+        </p:style>
+        <p:txBody>
+          <a:bodyPr rtlCol="0" anchor="ctr"/>
+          <a:lstStyle/>
+          <a:p>
+            <a:pPr algn="ctr"/>
+            <a:r>
+              <a:rPr lang="pt-BR" sz="1100" dirty="0">
+                <a:solidFill>
+                  <a:schemeClr val="tx1"/>
+                </a:solidFill>
+              </a:rPr>
+              <a:t>Transação #2</a:t>
+            </a:r>
+          </a:p>
+        </p:txBody>
+      </p:sp>
+      <p:sp>
+        <p:nvSpPr>
+          <p:cNvPr id="3" name="Retângulo 2">
+            <a:extLst>
+              <a:ext uri="{FF2B5EF4-FFF2-40B4-BE49-F238E27FC236}">
+                <a16:creationId xmlns:a16="http://schemas.microsoft.com/office/drawing/2014/main" id="{754C23CC-7C0E-083A-2B19-9AB078C06AD1}"/>
+              </a:ext>
+            </a:extLst>
+          </p:cNvPr>
+          <p:cNvSpPr/>
+          <p:nvPr/>
+        </p:nvSpPr>
+        <p:spPr>
+          <a:xfrm>
+            <a:off x="3041207" y="4830827"/>
+            <a:ext cx="1167576" cy="504000"/>
+          </a:xfrm>
+          <a:prstGeom prst="rect">
+            <a:avLst/>
+          </a:prstGeom>
+          <a:solidFill>
+            <a:srgbClr val="EBC99D"/>
+          </a:solidFill>
+          <a:ln w="6350">
+            <a:solidFill>
+              <a:schemeClr val="bg2">
+                <a:lumMod val="50000"/>
+              </a:schemeClr>
+            </a:solidFill>
+          </a:ln>
+        </p:spPr>
+        <p:style>
+          <a:lnRef idx="2">
+            <a:schemeClr val="accent1">
+              <a:shade val="50000"/>
+            </a:schemeClr>
+          </a:lnRef>
+          <a:fillRef idx="1">
+            <a:schemeClr val="accent1"/>
+          </a:fillRef>
+          <a:effectRef idx="0">
+            <a:schemeClr val="accent1"/>
+          </a:effectRef>
+          <a:fontRef idx="minor">
+            <a:schemeClr val="lt1"/>
+          </a:fontRef>
+        </p:style>
+        <p:txBody>
+          <a:bodyPr rtlCol="0" anchor="ctr"/>
+          <a:lstStyle/>
+          <a:p>
+            <a:pPr algn="ctr"/>
+            <a:r>
+              <a:rPr lang="pt-BR" sz="1100" dirty="0">
+                <a:solidFill>
+                  <a:schemeClr val="tx1"/>
+                </a:solidFill>
+              </a:rPr>
+              <a:t>Transação #n</a:t>
+            </a:r>
+          </a:p>
+        </p:txBody>
+      </p:sp>
+      <p:grpSp>
+        <p:nvGrpSpPr>
+          <p:cNvPr id="14" name="Agrupar 13">
+            <a:extLst>
+              <a:ext uri="{FF2B5EF4-FFF2-40B4-BE49-F238E27FC236}">
+                <a16:creationId xmlns:a16="http://schemas.microsoft.com/office/drawing/2014/main" id="{A3D03CD1-DEC7-869F-8F21-F36FBE63EF1A}"/>
+              </a:ext>
+            </a:extLst>
+          </p:cNvPr>
+          <p:cNvGrpSpPr/>
+          <p:nvPr/>
+        </p:nvGrpSpPr>
+        <p:grpSpPr>
+          <a:xfrm>
+            <a:off x="3510589" y="4204158"/>
+            <a:ext cx="45719" cy="350519"/>
+            <a:chOff x="7596389" y="4325366"/>
+            <a:chExt cx="45719" cy="350519"/>
+          </a:xfrm>
+        </p:grpSpPr>
+        <p:sp>
+          <p:nvSpPr>
+            <p:cNvPr id="7" name="Elipse 6">
+              <a:extLst>
+                <a:ext uri="{FF2B5EF4-FFF2-40B4-BE49-F238E27FC236}">
+                  <a16:creationId xmlns:a16="http://schemas.microsoft.com/office/drawing/2014/main" id="{4523B99F-00F1-44BE-D3C7-DE89CD4B4844}"/>
+                </a:ext>
+              </a:extLst>
+            </p:cNvPr>
+            <p:cNvSpPr/>
+            <p:nvPr/>
+          </p:nvSpPr>
+          <p:spPr>
+            <a:xfrm>
+              <a:off x="7596389" y="4325366"/>
+              <a:ext cx="45719" cy="45719"/>
+            </a:xfrm>
+            <a:prstGeom prst="ellipse">
+              <a:avLst/>
+            </a:prstGeom>
+          </p:spPr>
+          <p:style>
+            <a:lnRef idx="2">
+              <a:schemeClr val="accent1">
+                <a:shade val="50000"/>
+              </a:schemeClr>
+            </a:lnRef>
+            <a:fillRef idx="1">
+              <a:schemeClr val="accent1"/>
+            </a:fillRef>
+            <a:effectRef idx="0">
+              <a:schemeClr val="accent1"/>
+            </a:effectRef>
+            <a:fontRef idx="minor">
+              <a:schemeClr val="lt1"/>
+            </a:fontRef>
+          </p:style>
+          <p:txBody>
+            <a:bodyPr rtlCol="0" anchor="ctr"/>
+            <a:lstStyle/>
+            <a:p>
+              <a:pPr algn="ctr"/>
+              <a:endParaRPr lang="pt-BR"/>
+            </a:p>
+          </p:txBody>
+        </p:sp>
+        <p:sp>
+          <p:nvSpPr>
+            <p:cNvPr id="8" name="Elipse 7">
+              <a:extLst>
+                <a:ext uri="{FF2B5EF4-FFF2-40B4-BE49-F238E27FC236}">
+                  <a16:creationId xmlns:a16="http://schemas.microsoft.com/office/drawing/2014/main" id="{2AAF7DD8-A5EE-8BA9-80F4-0044739E176F}"/>
+                </a:ext>
+              </a:extLst>
+            </p:cNvPr>
+            <p:cNvSpPr/>
+            <p:nvPr/>
+          </p:nvSpPr>
+          <p:spPr>
+            <a:xfrm>
+              <a:off x="7596389" y="4477766"/>
+              <a:ext cx="45719" cy="45719"/>
+            </a:xfrm>
+            <a:prstGeom prst="ellipse">
+              <a:avLst/>
+            </a:prstGeom>
+          </p:spPr>
+          <p:style>
+            <a:lnRef idx="2">
+              <a:schemeClr val="accent1">
+                <a:shade val="50000"/>
+              </a:schemeClr>
+            </a:lnRef>
+            <a:fillRef idx="1">
+              <a:schemeClr val="accent1"/>
+            </a:fillRef>
+            <a:effectRef idx="0">
+              <a:schemeClr val="accent1"/>
+            </a:effectRef>
+            <a:fontRef idx="minor">
+              <a:schemeClr val="lt1"/>
+            </a:fontRef>
+          </p:style>
+          <p:txBody>
+            <a:bodyPr rtlCol="0" anchor="ctr"/>
+            <a:lstStyle/>
+            <a:p>
+              <a:pPr algn="ctr"/>
+              <a:endParaRPr lang="pt-BR"/>
+            </a:p>
+          </p:txBody>
+        </p:sp>
+        <p:sp>
+          <p:nvSpPr>
+            <p:cNvPr id="13" name="Elipse 12">
+              <a:extLst>
+                <a:ext uri="{FF2B5EF4-FFF2-40B4-BE49-F238E27FC236}">
+                  <a16:creationId xmlns:a16="http://schemas.microsoft.com/office/drawing/2014/main" id="{0E077F66-EBDD-BD25-3BE6-292727603792}"/>
+                </a:ext>
+              </a:extLst>
+            </p:cNvPr>
+            <p:cNvSpPr/>
+            <p:nvPr/>
+          </p:nvSpPr>
+          <p:spPr>
+            <a:xfrm>
+              <a:off x="7596389" y="4630166"/>
+              <a:ext cx="45719" cy="45719"/>
+            </a:xfrm>
+            <a:prstGeom prst="ellipse">
+              <a:avLst/>
+            </a:prstGeom>
+          </p:spPr>
+          <p:style>
+            <a:lnRef idx="2">
+              <a:schemeClr val="accent1">
+                <a:shade val="50000"/>
+              </a:schemeClr>
+            </a:lnRef>
+            <a:fillRef idx="1">
+              <a:schemeClr val="accent1"/>
+            </a:fillRef>
+            <a:effectRef idx="0">
+              <a:schemeClr val="accent1"/>
+            </a:effectRef>
+            <a:fontRef idx="minor">
+              <a:schemeClr val="lt1"/>
+            </a:fontRef>
+          </p:style>
+          <p:txBody>
+            <a:bodyPr rtlCol="0" anchor="ctr"/>
+            <a:lstStyle/>
+            <a:p>
+              <a:pPr algn="ctr"/>
+              <a:endParaRPr lang="pt-BR"/>
+            </a:p>
+          </p:txBody>
+        </p:sp>
+      </p:grpSp>
+      <p:sp>
+        <p:nvSpPr>
+          <p:cNvPr id="15" name="Retângulo 14">
+            <a:extLst>
+              <a:ext uri="{FF2B5EF4-FFF2-40B4-BE49-F238E27FC236}">
+                <a16:creationId xmlns:a16="http://schemas.microsoft.com/office/drawing/2014/main" id="{B57DFE6E-E099-B217-D816-F1C86B69D41A}"/>
+              </a:ext>
+            </a:extLst>
+          </p:cNvPr>
+          <p:cNvSpPr/>
+          <p:nvPr/>
+        </p:nvSpPr>
+        <p:spPr>
+          <a:xfrm>
+            <a:off x="4563970" y="2213183"/>
+            <a:ext cx="1678129" cy="1990975"/>
+          </a:xfrm>
+          <a:prstGeom prst="rect">
+            <a:avLst/>
+          </a:prstGeom>
+          <a:solidFill>
+            <a:srgbClr val="EBC99D"/>
+          </a:solidFill>
+          <a:ln w="6350">
+            <a:solidFill>
+              <a:schemeClr val="bg2">
+                <a:lumMod val="50000"/>
+              </a:schemeClr>
+            </a:solidFill>
+          </a:ln>
+        </p:spPr>
+        <p:style>
+          <a:lnRef idx="2">
+            <a:schemeClr val="accent1">
+              <a:shade val="50000"/>
+            </a:schemeClr>
+          </a:lnRef>
+          <a:fillRef idx="1">
+            <a:schemeClr val="accent1"/>
+          </a:fillRef>
+          <a:effectRef idx="0">
+            <a:schemeClr val="accent1"/>
+          </a:effectRef>
+          <a:fontRef idx="minor">
+            <a:schemeClr val="lt1"/>
+          </a:fontRef>
+        </p:style>
+        <p:txBody>
+          <a:bodyPr rtlCol="0" anchor="ctr"/>
+          <a:lstStyle/>
+          <a:p>
+            <a:pPr algn="ctr"/>
+            <a:endParaRPr lang="pt-BR" sz="1100" dirty="0">
+              <a:solidFill>
+                <a:schemeClr val="tx1"/>
+              </a:solidFill>
+            </a:endParaRPr>
+          </a:p>
+        </p:txBody>
+      </p:sp>
+      <p:sp>
+        <p:nvSpPr>
+          <p:cNvPr id="16" name="Retângulo 15">
+            <a:extLst>
+              <a:ext uri="{FF2B5EF4-FFF2-40B4-BE49-F238E27FC236}">
+                <a16:creationId xmlns:a16="http://schemas.microsoft.com/office/drawing/2014/main" id="{221AF8EE-9E7A-E65A-30E7-390DB3CE5458}"/>
+              </a:ext>
+            </a:extLst>
+          </p:cNvPr>
+          <p:cNvSpPr/>
+          <p:nvPr/>
+        </p:nvSpPr>
+        <p:spPr>
+          <a:xfrm>
+            <a:off x="4681867" y="2615989"/>
+            <a:ext cx="1449051" cy="320834"/>
+          </a:xfrm>
+          <a:prstGeom prst="rect">
+            <a:avLst/>
+          </a:prstGeom>
+          <a:solidFill>
+            <a:srgbClr val="E3B16E"/>
+          </a:solidFill>
+          <a:ln w="6350">
+            <a:solidFill>
+              <a:schemeClr val="bg2">
+                <a:lumMod val="50000"/>
+              </a:schemeClr>
+            </a:solidFill>
+          </a:ln>
+        </p:spPr>
+        <p:style>
+          <a:lnRef idx="2">
+            <a:schemeClr val="accent1">
+              <a:shade val="50000"/>
+            </a:schemeClr>
+          </a:lnRef>
+          <a:fillRef idx="1">
+            <a:schemeClr val="accent1"/>
+          </a:fillRef>
+          <a:effectRef idx="0">
+            <a:schemeClr val="accent1"/>
+          </a:effectRef>
+          <a:fontRef idx="minor">
+            <a:schemeClr val="lt1"/>
+          </a:fontRef>
+        </p:style>
+        <p:txBody>
+          <a:bodyPr rtlCol="0" anchor="ctr"/>
+          <a:lstStyle/>
+          <a:p>
+            <a:pPr algn="ctr"/>
+            <a:r>
+              <a:rPr lang="pt-BR" sz="1100" dirty="0">
+                <a:solidFill>
+                  <a:schemeClr val="tx1"/>
+                </a:solidFill>
+              </a:rPr>
+              <a:t>Transaction Proposal</a:t>
+            </a:r>
+          </a:p>
+        </p:txBody>
+      </p:sp>
+      <p:sp>
+        <p:nvSpPr>
+          <p:cNvPr id="18" name="Retângulo 17">
+            <a:extLst>
+              <a:ext uri="{FF2B5EF4-FFF2-40B4-BE49-F238E27FC236}">
+                <a16:creationId xmlns:a16="http://schemas.microsoft.com/office/drawing/2014/main" id="{C04086BF-0468-3709-16CF-7069090EBF96}"/>
+              </a:ext>
+            </a:extLst>
+          </p:cNvPr>
+          <p:cNvSpPr/>
+          <p:nvPr/>
+        </p:nvSpPr>
+        <p:spPr>
+          <a:xfrm>
+            <a:off x="4681869" y="3137437"/>
+            <a:ext cx="1449051" cy="320834"/>
+          </a:xfrm>
+          <a:prstGeom prst="rect">
+            <a:avLst/>
+          </a:prstGeom>
+          <a:solidFill>
+            <a:srgbClr val="E3B16E"/>
+          </a:solidFill>
+          <a:ln w="6350">
+            <a:solidFill>
+              <a:schemeClr val="bg2">
+                <a:lumMod val="50000"/>
+              </a:schemeClr>
+            </a:solidFill>
+          </a:ln>
+        </p:spPr>
+        <p:style>
+          <a:lnRef idx="2">
+            <a:schemeClr val="accent1">
+              <a:shade val="50000"/>
+            </a:schemeClr>
+          </a:lnRef>
+          <a:fillRef idx="1">
+            <a:schemeClr val="accent1"/>
+          </a:fillRef>
+          <a:effectRef idx="0">
+            <a:schemeClr val="accent1"/>
+          </a:effectRef>
+          <a:fontRef idx="minor">
+            <a:schemeClr val="lt1"/>
+          </a:fontRef>
+        </p:style>
+        <p:txBody>
+          <a:bodyPr rtlCol="0" anchor="ctr"/>
+          <a:lstStyle/>
+          <a:p>
+            <a:pPr algn="ctr"/>
+            <a:r>
+              <a:rPr lang="pt-BR" sz="1100" dirty="0">
+                <a:solidFill>
+                  <a:schemeClr val="tx1"/>
+                </a:solidFill>
+              </a:rPr>
+              <a:t>Endorsement</a:t>
+            </a:r>
+          </a:p>
+        </p:txBody>
+      </p:sp>
+      <p:sp>
+        <p:nvSpPr>
+          <p:cNvPr id="19" name="Retângulo 18">
+            <a:extLst>
+              <a:ext uri="{FF2B5EF4-FFF2-40B4-BE49-F238E27FC236}">
+                <a16:creationId xmlns:a16="http://schemas.microsoft.com/office/drawing/2014/main" id="{889D5AEB-AF4A-5D07-69F1-D03E941F9322}"/>
+              </a:ext>
+            </a:extLst>
+          </p:cNvPr>
+          <p:cNvSpPr/>
+          <p:nvPr/>
+        </p:nvSpPr>
+        <p:spPr>
+          <a:xfrm>
+            <a:off x="4681868" y="3700919"/>
+            <a:ext cx="1449051" cy="320834"/>
+          </a:xfrm>
+          <a:prstGeom prst="rect">
+            <a:avLst/>
+          </a:prstGeom>
+          <a:solidFill>
+            <a:srgbClr val="E3B16E"/>
+          </a:solidFill>
+          <a:ln w="6350">
+            <a:solidFill>
+              <a:schemeClr val="bg2">
+                <a:lumMod val="50000"/>
+              </a:schemeClr>
+            </a:solidFill>
+          </a:ln>
+        </p:spPr>
+        <p:style>
+          <a:lnRef idx="2">
+            <a:schemeClr val="accent1">
+              <a:shade val="50000"/>
+            </a:schemeClr>
+          </a:lnRef>
+          <a:fillRef idx="1">
+            <a:schemeClr val="accent1"/>
+          </a:fillRef>
+          <a:effectRef idx="0">
+            <a:schemeClr val="accent1"/>
+          </a:effectRef>
+          <a:fontRef idx="minor">
+            <a:schemeClr val="lt1"/>
+          </a:fontRef>
+        </p:style>
+        <p:txBody>
+          <a:bodyPr rtlCol="0" anchor="ctr"/>
+          <a:lstStyle/>
+          <a:p>
+            <a:pPr algn="ctr"/>
+            <a:r>
+              <a:rPr lang="pt-BR" sz="1100" dirty="0">
+                <a:solidFill>
+                  <a:schemeClr val="tx1"/>
+                </a:solidFill>
+              </a:rPr>
+              <a:t>Proposal Response</a:t>
+            </a:r>
+          </a:p>
+        </p:txBody>
+      </p:sp>
+      <p:sp>
+        <p:nvSpPr>
+          <p:cNvPr id="22" name="CaixaDeTexto 21">
+            <a:extLst>
+              <a:ext uri="{FF2B5EF4-FFF2-40B4-BE49-F238E27FC236}">
+                <a16:creationId xmlns:a16="http://schemas.microsoft.com/office/drawing/2014/main" id="{277AE3D5-9CF4-48AC-0373-48C28734AD90}"/>
+              </a:ext>
+            </a:extLst>
+          </p:cNvPr>
+          <p:cNvSpPr txBox="1"/>
+          <p:nvPr/>
+        </p:nvSpPr>
+        <p:spPr>
+          <a:xfrm>
+            <a:off x="4932392" y="2260745"/>
+            <a:ext cx="941283" cy="261610"/>
+          </a:xfrm>
+          <a:prstGeom prst="rect">
+            <a:avLst/>
+          </a:prstGeom>
+          <a:noFill/>
+        </p:spPr>
+        <p:txBody>
+          <a:bodyPr wrap="none" rtlCol="0">
+            <a:spAutoFit/>
+          </a:bodyPr>
+          <a:lstStyle/>
+          <a:p>
+            <a:r>
+              <a:rPr lang="pt-BR" sz="1100" dirty="0"/>
+              <a:t>Transação #1</a:t>
+            </a:r>
+          </a:p>
+        </p:txBody>
+      </p:sp>
+      <p:pic>
+        <p:nvPicPr>
+          <p:cNvPr id="27" name="Imagem 26">
+            <a:extLst>
+              <a:ext uri="{FF2B5EF4-FFF2-40B4-BE49-F238E27FC236}">
+                <a16:creationId xmlns:a16="http://schemas.microsoft.com/office/drawing/2014/main" id="{EF44C726-6F3A-FF98-3CCE-C58A080F0780}"/>
+              </a:ext>
+            </a:extLst>
+          </p:cNvPr>
+          <p:cNvPicPr>
+            <a:picLocks noChangeAspect="1"/>
+          </p:cNvPicPr>
+          <p:nvPr/>
+        </p:nvPicPr>
+        <p:blipFill>
+          <a:blip r:embed="rId2"/>
+          <a:stretch>
+            <a:fillRect/>
+          </a:stretch>
+        </p:blipFill>
+        <p:spPr>
+          <a:xfrm>
+            <a:off x="6496221" y="1529185"/>
+            <a:ext cx="4834999" cy="3967411"/>
+          </a:xfrm>
+          <a:prstGeom prst="rect">
+            <a:avLst/>
+          </a:prstGeom>
+          <a:ln>
+            <a:solidFill>
+              <a:schemeClr val="accent1"/>
+            </a:solidFill>
+          </a:ln>
+        </p:spPr>
+      </p:pic>
+      <p:cxnSp>
+        <p:nvCxnSpPr>
+          <p:cNvPr id="29" name="Conector: Curvo 28">
+            <a:extLst>
+              <a:ext uri="{FF2B5EF4-FFF2-40B4-BE49-F238E27FC236}">
+                <a16:creationId xmlns:a16="http://schemas.microsoft.com/office/drawing/2014/main" id="{AB9BCE38-7352-A511-628A-050486E82031}"/>
+              </a:ext>
+            </a:extLst>
+          </p:cNvPr>
+          <p:cNvCxnSpPr>
+            <a:cxnSpLocks/>
+            <a:stCxn id="5" idx="3"/>
+            <a:endCxn id="10" idx="1"/>
+          </p:cNvCxnSpPr>
+          <p:nvPr/>
+        </p:nvCxnSpPr>
+        <p:spPr>
+          <a:xfrm>
+            <a:off x="2644465" y="3815545"/>
+            <a:ext cx="173508" cy="191069"/>
+          </a:xfrm>
+          <a:prstGeom prst="curvedConnector3">
+            <a:avLst>
+              <a:gd name="adj1" fmla="val 50000"/>
+            </a:avLst>
+          </a:prstGeom>
+        </p:spPr>
+        <p:style>
+          <a:lnRef idx="1">
+            <a:schemeClr val="accent1"/>
+          </a:lnRef>
+          <a:fillRef idx="0">
+            <a:schemeClr val="accent1"/>
+          </a:fillRef>
+          <a:effectRef idx="0">
+            <a:schemeClr val="accent1"/>
+          </a:effectRef>
+          <a:fontRef idx="minor">
+            <a:schemeClr val="tx1"/>
+          </a:fontRef>
+        </p:style>
+      </p:cxnSp>
+      <p:cxnSp>
+        <p:nvCxnSpPr>
+          <p:cNvPr id="4096" name="Conector: Curvo 4095">
+            <a:extLst>
+              <a:ext uri="{FF2B5EF4-FFF2-40B4-BE49-F238E27FC236}">
+                <a16:creationId xmlns:a16="http://schemas.microsoft.com/office/drawing/2014/main" id="{F6A81072-5199-86CE-6D1D-97284373BD37}"/>
+              </a:ext>
+            </a:extLst>
+          </p:cNvPr>
+          <p:cNvCxnSpPr>
+            <a:cxnSpLocks/>
+            <a:stCxn id="11" idx="3"/>
+            <a:endCxn id="15" idx="1"/>
+          </p:cNvCxnSpPr>
+          <p:nvPr/>
+        </p:nvCxnSpPr>
+        <p:spPr>
+          <a:xfrm>
+            <a:off x="4140096" y="3093466"/>
+            <a:ext cx="423874" cy="115205"/>
+          </a:xfrm>
+          <a:prstGeom prst="curvedConnector3">
+            <a:avLst>
+              <a:gd name="adj1" fmla="val 50000"/>
+            </a:avLst>
+          </a:prstGeom>
+        </p:spPr>
+        <p:style>
+          <a:lnRef idx="1">
+            <a:schemeClr val="accent1"/>
+          </a:lnRef>
+          <a:fillRef idx="0">
+            <a:schemeClr val="accent1"/>
+          </a:fillRef>
+          <a:effectRef idx="0">
+            <a:schemeClr val="accent1"/>
+          </a:effectRef>
+          <a:fontRef idx="minor">
+            <a:schemeClr val="tx1"/>
+          </a:fontRef>
+        </p:style>
+      </p:cxnSp>
+      <p:sp>
+        <p:nvSpPr>
+          <p:cNvPr id="4105" name="Retângulo 4104">
+            <a:extLst>
+              <a:ext uri="{FF2B5EF4-FFF2-40B4-BE49-F238E27FC236}">
+                <a16:creationId xmlns:a16="http://schemas.microsoft.com/office/drawing/2014/main" id="{0BCE38FB-F3DE-76F3-2922-0A75443EDDEE}"/>
+              </a:ext>
+            </a:extLst>
+          </p:cNvPr>
+          <p:cNvSpPr/>
+          <p:nvPr/>
+        </p:nvSpPr>
+        <p:spPr>
+          <a:xfrm>
+            <a:off x="8445500" y="3512891"/>
+            <a:ext cx="2847620" cy="302654"/>
+          </a:xfrm>
+          <a:prstGeom prst="rect">
+            <a:avLst/>
+          </a:prstGeom>
+          <a:noFill/>
+          <a:ln w="28575">
+            <a:solidFill>
+              <a:srgbClr val="2E75B6"/>
+            </a:solidFill>
+          </a:ln>
+        </p:spPr>
+        <p:style>
+          <a:lnRef idx="2">
+            <a:schemeClr val="accent1">
+              <a:shade val="50000"/>
+            </a:schemeClr>
+          </a:lnRef>
+          <a:fillRef idx="1">
+            <a:schemeClr val="accent1"/>
+          </a:fillRef>
+          <a:effectRef idx="0">
+            <a:schemeClr val="accent1"/>
+          </a:effectRef>
+          <a:fontRef idx="minor">
+            <a:schemeClr val="lt1"/>
+          </a:fontRef>
+        </p:style>
+        <p:txBody>
+          <a:bodyPr rtlCol="0" anchor="ctr"/>
+          <a:lstStyle/>
+          <a:p>
+            <a:pPr algn="ctr"/>
+            <a:endParaRPr lang="pt-BR"/>
+          </a:p>
+        </p:txBody>
+      </p:sp>
+      <p:sp>
+        <p:nvSpPr>
+          <p:cNvPr id="4106" name="Retângulo 4105">
+            <a:extLst>
+              <a:ext uri="{FF2B5EF4-FFF2-40B4-BE49-F238E27FC236}">
+                <a16:creationId xmlns:a16="http://schemas.microsoft.com/office/drawing/2014/main" id="{87B91326-3FE6-AE4F-A6E2-5A0F84C156AC}"/>
+              </a:ext>
+            </a:extLst>
+          </p:cNvPr>
+          <p:cNvSpPr/>
+          <p:nvPr/>
+        </p:nvSpPr>
+        <p:spPr>
+          <a:xfrm>
+            <a:off x="8445500" y="3880693"/>
+            <a:ext cx="2847620" cy="237505"/>
+          </a:xfrm>
+          <a:prstGeom prst="rect">
+            <a:avLst/>
+          </a:prstGeom>
+          <a:noFill/>
+          <a:ln w="28575">
+            <a:solidFill>
+              <a:srgbClr val="D468EA"/>
+            </a:solidFill>
+          </a:ln>
+        </p:spPr>
+        <p:style>
+          <a:lnRef idx="2">
+            <a:schemeClr val="accent1">
+              <a:shade val="50000"/>
+            </a:schemeClr>
+          </a:lnRef>
+          <a:fillRef idx="1">
+            <a:schemeClr val="accent1"/>
+          </a:fillRef>
+          <a:effectRef idx="0">
+            <a:schemeClr val="accent1"/>
+          </a:effectRef>
+          <a:fontRef idx="minor">
+            <a:schemeClr val="lt1"/>
+          </a:fontRef>
+        </p:style>
+        <p:txBody>
+          <a:bodyPr rtlCol="0" anchor="ctr"/>
+          <a:lstStyle/>
+          <a:p>
+            <a:pPr algn="ctr"/>
+            <a:endParaRPr lang="pt-BR"/>
+          </a:p>
+        </p:txBody>
+      </p:sp>
+      <p:sp>
+        <p:nvSpPr>
+          <p:cNvPr id="4107" name="Retângulo 4106">
+            <a:extLst>
+              <a:ext uri="{FF2B5EF4-FFF2-40B4-BE49-F238E27FC236}">
+                <a16:creationId xmlns:a16="http://schemas.microsoft.com/office/drawing/2014/main" id="{4ECAC48B-E90F-7293-2D99-440257F23D70}"/>
+              </a:ext>
+            </a:extLst>
+          </p:cNvPr>
+          <p:cNvSpPr/>
+          <p:nvPr/>
+        </p:nvSpPr>
+        <p:spPr>
+          <a:xfrm>
+            <a:off x="8267700" y="4363370"/>
+            <a:ext cx="3025420" cy="302654"/>
+          </a:xfrm>
+          <a:prstGeom prst="rect">
+            <a:avLst/>
+          </a:prstGeom>
+          <a:noFill/>
+          <a:ln w="28575">
+            <a:solidFill>
+              <a:srgbClr val="DEA03A"/>
+            </a:solidFill>
+          </a:ln>
+        </p:spPr>
+        <p:style>
+          <a:lnRef idx="2">
+            <a:schemeClr val="accent1">
+              <a:shade val="50000"/>
+            </a:schemeClr>
+          </a:lnRef>
+          <a:fillRef idx="1">
+            <a:schemeClr val="accent1"/>
+          </a:fillRef>
+          <a:effectRef idx="0">
+            <a:schemeClr val="accent1"/>
+          </a:effectRef>
+          <a:fontRef idx="minor">
+            <a:schemeClr val="lt1"/>
+          </a:fontRef>
+        </p:style>
+        <p:txBody>
+          <a:bodyPr rtlCol="0" anchor="ctr"/>
+          <a:lstStyle/>
+          <a:p>
+            <a:pPr algn="ctr"/>
+            <a:endParaRPr lang="pt-BR"/>
+          </a:p>
+        </p:txBody>
+      </p:sp>
+      <p:cxnSp>
+        <p:nvCxnSpPr>
+          <p:cNvPr id="4108" name="Conector: Curvo 4107">
+            <a:extLst>
+              <a:ext uri="{FF2B5EF4-FFF2-40B4-BE49-F238E27FC236}">
+                <a16:creationId xmlns:a16="http://schemas.microsoft.com/office/drawing/2014/main" id="{8DB869B0-3D0D-17C5-FC92-F43022EB14BF}"/>
+              </a:ext>
+            </a:extLst>
+          </p:cNvPr>
+          <p:cNvCxnSpPr>
+            <a:cxnSpLocks/>
+            <a:stCxn id="18" idx="3"/>
+          </p:cNvCxnSpPr>
+          <p:nvPr/>
+        </p:nvCxnSpPr>
+        <p:spPr>
+          <a:xfrm>
+            <a:off x="6130920" y="3297854"/>
+            <a:ext cx="2276480" cy="403065"/>
+          </a:xfrm>
+          <a:prstGeom prst="curvedConnector3">
+            <a:avLst>
+              <a:gd name="adj1" fmla="val 50000"/>
+            </a:avLst>
+          </a:prstGeom>
+          <a:ln>
+            <a:solidFill>
+              <a:srgbClr val="2E75B6"/>
+            </a:solidFill>
+          </a:ln>
+        </p:spPr>
+        <p:style>
+          <a:lnRef idx="1">
+            <a:schemeClr val="accent1"/>
+          </a:lnRef>
+          <a:fillRef idx="0">
+            <a:schemeClr val="accent1"/>
+          </a:fillRef>
+          <a:effectRef idx="0">
+            <a:schemeClr val="accent1"/>
+          </a:effectRef>
+          <a:fontRef idx="minor">
+            <a:schemeClr val="tx1"/>
+          </a:fontRef>
+        </p:style>
+      </p:cxnSp>
+      <p:cxnSp>
+        <p:nvCxnSpPr>
+          <p:cNvPr id="4112" name="Conector: Curvo 4111">
+            <a:extLst>
+              <a:ext uri="{FF2B5EF4-FFF2-40B4-BE49-F238E27FC236}">
+                <a16:creationId xmlns:a16="http://schemas.microsoft.com/office/drawing/2014/main" id="{465A8296-401D-B2F2-769F-EC3CBCEAC49B}"/>
+              </a:ext>
+            </a:extLst>
+          </p:cNvPr>
+          <p:cNvCxnSpPr>
+            <a:cxnSpLocks/>
+            <a:stCxn id="16" idx="3"/>
+            <a:endCxn id="4107" idx="1"/>
+          </p:cNvCxnSpPr>
+          <p:nvPr/>
+        </p:nvCxnSpPr>
+        <p:spPr>
+          <a:xfrm>
+            <a:off x="6130918" y="2776406"/>
+            <a:ext cx="2136782" cy="1738291"/>
+          </a:xfrm>
+          <a:prstGeom prst="curvedConnector3">
+            <a:avLst>
+              <a:gd name="adj1" fmla="val 50000"/>
+            </a:avLst>
+          </a:prstGeom>
+          <a:ln>
+            <a:solidFill>
+              <a:srgbClr val="E3B16E"/>
+            </a:solidFill>
+          </a:ln>
+        </p:spPr>
+        <p:style>
+          <a:lnRef idx="1">
+            <a:schemeClr val="accent1"/>
+          </a:lnRef>
+          <a:fillRef idx="0">
+            <a:schemeClr val="accent1"/>
+          </a:fillRef>
+          <a:effectRef idx="0">
+            <a:schemeClr val="accent1"/>
+          </a:effectRef>
+          <a:fontRef idx="minor">
+            <a:schemeClr val="tx1"/>
+          </a:fontRef>
+        </p:style>
+      </p:cxnSp>
+      <p:cxnSp>
+        <p:nvCxnSpPr>
+          <p:cNvPr id="4117" name="Conector: Curvo 4116">
+            <a:extLst>
+              <a:ext uri="{FF2B5EF4-FFF2-40B4-BE49-F238E27FC236}">
+                <a16:creationId xmlns:a16="http://schemas.microsoft.com/office/drawing/2014/main" id="{82753075-DCCE-AD04-3730-71656E49056A}"/>
+              </a:ext>
+            </a:extLst>
+          </p:cNvPr>
+          <p:cNvCxnSpPr>
+            <a:cxnSpLocks/>
+            <a:stCxn id="19" idx="3"/>
+            <a:endCxn id="4106" idx="1"/>
+          </p:cNvCxnSpPr>
+          <p:nvPr/>
+        </p:nvCxnSpPr>
+        <p:spPr>
+          <a:xfrm>
+            <a:off x="6130919" y="3861336"/>
+            <a:ext cx="2314581" cy="138110"/>
+          </a:xfrm>
+          <a:prstGeom prst="curvedConnector3">
+            <a:avLst>
+              <a:gd name="adj1" fmla="val 50000"/>
+            </a:avLst>
+          </a:prstGeom>
+          <a:ln>
+            <a:solidFill>
+              <a:srgbClr val="D468EA"/>
+            </a:solidFill>
+          </a:ln>
+        </p:spPr>
+        <p:style>
+          <a:lnRef idx="1">
+            <a:schemeClr val="accent1"/>
+          </a:lnRef>
+          <a:fillRef idx="0">
+            <a:schemeClr val="accent1"/>
+          </a:fillRef>
+          <a:effectRef idx="0">
+            <a:schemeClr val="accent1"/>
+          </a:effectRef>
+          <a:fontRef idx="minor">
+            <a:schemeClr val="tx1"/>
+          </a:fontRef>
+        </p:style>
+      </p:cxnSp>
+      <p:sp>
+        <p:nvSpPr>
+          <p:cNvPr id="4125" name="CaixaDeTexto 4124">
+            <a:extLst>
+              <a:ext uri="{FF2B5EF4-FFF2-40B4-BE49-F238E27FC236}">
+                <a16:creationId xmlns:a16="http://schemas.microsoft.com/office/drawing/2014/main" id="{B0F60E74-B026-AC33-0B68-B3D39503C065}"/>
+              </a:ext>
+            </a:extLst>
+          </p:cNvPr>
+          <p:cNvSpPr txBox="1"/>
+          <p:nvPr/>
+        </p:nvSpPr>
+        <p:spPr>
+          <a:xfrm>
+            <a:off x="3320851" y="2552907"/>
+            <a:ext cx="517578" cy="276999"/>
+          </a:xfrm>
+          <a:prstGeom prst="rect">
+            <a:avLst/>
+          </a:prstGeom>
+          <a:noFill/>
+        </p:spPr>
+        <p:txBody>
+          <a:bodyPr wrap="none" rtlCol="0">
+            <a:spAutoFit/>
+          </a:bodyPr>
+          <a:lstStyle/>
+          <a:p>
+            <a:pPr algn="ctr"/>
+            <a:r>
+              <a:rPr lang="pt-BR" sz="1200" b="1" dirty="0">
+                <a:solidFill>
+                  <a:srgbClr val="DEA03A"/>
+                </a:solidFill>
+              </a:rPr>
+              <a:t>DATA</a:t>
+            </a:r>
+          </a:p>
+        </p:txBody>
+      </p:sp>
+    </p:spTree>
+    <p:extLst>
+      <p:ext uri="{BB962C8B-B14F-4D97-AF65-F5344CB8AC3E}">
+        <p14:creationId xmlns:p14="http://schemas.microsoft.com/office/powerpoint/2010/main" val="661077101"/>
+      </p:ext>
+    </p:extLst>
+  </p:cSld>
+  <p:clrMapOvr>
+    <a:masterClrMapping/>
+  </p:clrMapOvr>
+</p:sld>
+</file>
+
+<file path=ppt/slides/slide11.xml><?xml version="1.0" encoding="utf-8"?>
+<p:sld xmlns:a="http://schemas.openxmlformats.org/drawingml/2006/main" xmlns:r="http://schemas.openxmlformats.org/officeDocument/2006/relationships" xmlns:p="http://schemas.openxmlformats.org/presentationml/2006/main">
+  <p:cSld>
+    <p:spTree>
+      <p:nvGrpSpPr>
+        <p:cNvPr id="1" name=""/>
+        <p:cNvGrpSpPr/>
+        <p:nvPr/>
+      </p:nvGrpSpPr>
+      <p:grpSpPr>
+        <a:xfrm>
+          <a:off x="0" y="0"/>
+          <a:ext cx="0" cy="0"/>
+          <a:chOff x="0" y="0"/>
+          <a:chExt cx="0" cy="0"/>
+        </a:xfrm>
+      </p:grpSpPr>
+      <p:pic>
+        <p:nvPicPr>
+          <p:cNvPr id="5" name="Imagem 4">
+            <a:extLst>
+              <a:ext uri="{FF2B5EF4-FFF2-40B4-BE49-F238E27FC236}">
+                <a16:creationId xmlns:a16="http://schemas.microsoft.com/office/drawing/2014/main" id="{B88FF69D-809B-47E7-4E47-6900B97C978A}"/>
+              </a:ext>
+            </a:extLst>
+          </p:cNvPr>
+          <p:cNvPicPr>
+            <a:picLocks noChangeAspect="1"/>
+          </p:cNvPicPr>
+          <p:nvPr/>
+        </p:nvPicPr>
+        <p:blipFill>
+          <a:blip r:embed="rId2"/>
+          <a:stretch>
+            <a:fillRect/>
+          </a:stretch>
+        </p:blipFill>
+        <p:spPr>
+          <a:xfrm>
+            <a:off x="2728442" y="2133419"/>
+            <a:ext cx="6735115" cy="2591162"/>
+          </a:xfrm>
+          <a:prstGeom prst="rect">
+            <a:avLst/>
+          </a:prstGeom>
+        </p:spPr>
+      </p:pic>
+      <p:sp>
+        <p:nvSpPr>
+          <p:cNvPr id="6" name="Retângulo 5">
+            <a:extLst>
+              <a:ext uri="{FF2B5EF4-FFF2-40B4-BE49-F238E27FC236}">
+                <a16:creationId xmlns:a16="http://schemas.microsoft.com/office/drawing/2014/main" id="{5C6F752E-0B78-F1B9-4A30-B57FA44D6F8A}"/>
+              </a:ext>
+            </a:extLst>
+          </p:cNvPr>
+          <p:cNvSpPr/>
+          <p:nvPr/>
+        </p:nvSpPr>
+        <p:spPr>
+          <a:xfrm>
+            <a:off x="2908300" y="2158819"/>
+            <a:ext cx="1181100" cy="190681"/>
+          </a:xfrm>
+          <a:prstGeom prst="rect">
+            <a:avLst/>
+          </a:prstGeom>
+          <a:noFill/>
+          <a:ln>
+            <a:solidFill>
+              <a:srgbClr val="FF0000"/>
+            </a:solidFill>
+          </a:ln>
+        </p:spPr>
+        <p:style>
+          <a:lnRef idx="2">
+            <a:schemeClr val="accent1">
+              <a:shade val="50000"/>
+            </a:schemeClr>
+          </a:lnRef>
+          <a:fillRef idx="1">
+            <a:schemeClr val="accent1"/>
+          </a:fillRef>
+          <a:effectRef idx="0">
+            <a:schemeClr val="accent1"/>
+          </a:effectRef>
+          <a:fontRef idx="minor">
+            <a:schemeClr val="lt1"/>
+          </a:fontRef>
+        </p:style>
+        <p:txBody>
+          <a:bodyPr rtlCol="0" anchor="ctr"/>
+          <a:lstStyle/>
+          <a:p>
+            <a:pPr algn="ctr"/>
+            <a:endParaRPr lang="pt-BR"/>
+          </a:p>
+        </p:txBody>
+      </p:sp>
+      <p:pic>
+        <p:nvPicPr>
+          <p:cNvPr id="14" name="Imagem 13">
+            <a:extLst>
+              <a:ext uri="{FF2B5EF4-FFF2-40B4-BE49-F238E27FC236}">
+                <a16:creationId xmlns:a16="http://schemas.microsoft.com/office/drawing/2014/main" id="{40C744FF-8875-4D09-66F9-645CB062E0CE}"/>
+              </a:ext>
+            </a:extLst>
+          </p:cNvPr>
+          <p:cNvPicPr>
+            <a:picLocks noChangeAspect="1"/>
+          </p:cNvPicPr>
+          <p:nvPr/>
+        </p:nvPicPr>
+        <p:blipFill>
+          <a:blip r:embed="rId3"/>
+          <a:stretch>
+            <a:fillRect/>
+          </a:stretch>
+        </p:blipFill>
+        <p:spPr>
+          <a:xfrm>
+            <a:off x="-7826" y="409053"/>
+            <a:ext cx="12192000" cy="1079837"/>
+          </a:xfrm>
+          <a:prstGeom prst="rect">
+            <a:avLst/>
+          </a:prstGeom>
+        </p:spPr>
+      </p:pic>
+      <p:sp>
+        <p:nvSpPr>
+          <p:cNvPr id="10" name="Retângulo 9">
+            <a:extLst>
+              <a:ext uri="{FF2B5EF4-FFF2-40B4-BE49-F238E27FC236}">
+                <a16:creationId xmlns:a16="http://schemas.microsoft.com/office/drawing/2014/main" id="{FF47C507-480A-511C-DF80-EE61AE6D6AAA}"/>
+              </a:ext>
+            </a:extLst>
+          </p:cNvPr>
+          <p:cNvSpPr/>
+          <p:nvPr/>
+        </p:nvSpPr>
+        <p:spPr>
+          <a:xfrm>
+            <a:off x="6667498" y="1263198"/>
+            <a:ext cx="5472000" cy="190681"/>
+          </a:xfrm>
+          <a:prstGeom prst="rect">
+            <a:avLst/>
+          </a:prstGeom>
+          <a:noFill/>
+          <a:ln>
+            <a:solidFill>
+              <a:srgbClr val="FF0000"/>
+            </a:solidFill>
+          </a:ln>
+        </p:spPr>
+        <p:style>
+          <a:lnRef idx="2">
+            <a:schemeClr val="accent1">
+              <a:shade val="50000"/>
+            </a:schemeClr>
+          </a:lnRef>
+          <a:fillRef idx="1">
+            <a:schemeClr val="accent1"/>
+          </a:fillRef>
+          <a:effectRef idx="0">
+            <a:schemeClr val="accent1"/>
+          </a:effectRef>
+          <a:fontRef idx="minor">
+            <a:schemeClr val="lt1"/>
+          </a:fontRef>
+        </p:style>
+        <p:txBody>
+          <a:bodyPr rtlCol="0" anchor="ctr"/>
+          <a:lstStyle/>
+          <a:p>
+            <a:pPr algn="ctr"/>
+            <a:endParaRPr lang="pt-BR"/>
+          </a:p>
+        </p:txBody>
+      </p:sp>
+      <p:sp>
+        <p:nvSpPr>
+          <p:cNvPr id="9" name="Retângulo 8">
+            <a:extLst>
+              <a:ext uri="{FF2B5EF4-FFF2-40B4-BE49-F238E27FC236}">
+                <a16:creationId xmlns:a16="http://schemas.microsoft.com/office/drawing/2014/main" id="{55F75B32-D133-61CA-8BC5-78079B619830}"/>
+              </a:ext>
+            </a:extLst>
+          </p:cNvPr>
+          <p:cNvSpPr/>
+          <p:nvPr/>
+        </p:nvSpPr>
+        <p:spPr>
+          <a:xfrm>
+            <a:off x="4038600" y="745094"/>
+            <a:ext cx="288000" cy="190681"/>
+          </a:xfrm>
+          <a:prstGeom prst="rect">
+            <a:avLst/>
+          </a:prstGeom>
+          <a:noFill/>
+          <a:ln>
+            <a:solidFill>
+              <a:srgbClr val="FF0000"/>
+            </a:solidFill>
+          </a:ln>
+        </p:spPr>
+        <p:style>
+          <a:lnRef idx="2">
+            <a:schemeClr val="accent1">
+              <a:shade val="50000"/>
+            </a:schemeClr>
+          </a:lnRef>
+          <a:fillRef idx="1">
+            <a:schemeClr val="accent1"/>
+          </a:fillRef>
+          <a:effectRef idx="0">
+            <a:schemeClr val="accent1"/>
+          </a:effectRef>
+          <a:fontRef idx="minor">
+            <a:schemeClr val="lt1"/>
+          </a:fontRef>
+        </p:style>
+        <p:txBody>
+          <a:bodyPr rtlCol="0" anchor="ctr"/>
+          <a:lstStyle/>
+          <a:p>
+            <a:pPr algn="ctr"/>
+            <a:endParaRPr lang="pt-BR"/>
+          </a:p>
+        </p:txBody>
+      </p:sp>
+      <p:sp>
+        <p:nvSpPr>
+          <p:cNvPr id="11" name="Retângulo 10">
+            <a:extLst>
+              <a:ext uri="{FF2B5EF4-FFF2-40B4-BE49-F238E27FC236}">
+                <a16:creationId xmlns:a16="http://schemas.microsoft.com/office/drawing/2014/main" id="{D6F767AC-E69C-48BC-59C1-A31D0F1152ED}"/>
+              </a:ext>
+            </a:extLst>
+          </p:cNvPr>
+          <p:cNvSpPr/>
+          <p:nvPr/>
+        </p:nvSpPr>
+        <p:spPr>
+          <a:xfrm>
+            <a:off x="5219700" y="926525"/>
+            <a:ext cx="288000" cy="190681"/>
+          </a:xfrm>
+          <a:prstGeom prst="rect">
+            <a:avLst/>
+          </a:prstGeom>
+          <a:noFill/>
+          <a:ln>
+            <a:solidFill>
+              <a:srgbClr val="FF0000"/>
+            </a:solidFill>
+          </a:ln>
+        </p:spPr>
+        <p:style>
+          <a:lnRef idx="2">
+            <a:schemeClr val="accent1">
+              <a:shade val="50000"/>
+            </a:schemeClr>
+          </a:lnRef>
+          <a:fillRef idx="1">
+            <a:schemeClr val="accent1"/>
+          </a:fillRef>
+          <a:effectRef idx="0">
+            <a:schemeClr val="accent1"/>
+          </a:effectRef>
+          <a:fontRef idx="minor">
+            <a:schemeClr val="lt1"/>
+          </a:fontRef>
+        </p:style>
+        <p:txBody>
+          <a:bodyPr rtlCol="0" anchor="ctr"/>
+          <a:lstStyle/>
+          <a:p>
+            <a:pPr algn="ctr"/>
+            <a:endParaRPr lang="pt-BR"/>
+          </a:p>
+        </p:txBody>
+      </p:sp>
+      <p:sp>
+        <p:nvSpPr>
+          <p:cNvPr id="12" name="Retângulo 11">
+            <a:extLst>
+              <a:ext uri="{FF2B5EF4-FFF2-40B4-BE49-F238E27FC236}">
+                <a16:creationId xmlns:a16="http://schemas.microsoft.com/office/drawing/2014/main" id="{57150F3E-33F2-AAC2-46D8-787CD055EE60}"/>
+              </a:ext>
+            </a:extLst>
+          </p:cNvPr>
+          <p:cNvSpPr/>
+          <p:nvPr/>
+        </p:nvSpPr>
+        <p:spPr>
+          <a:xfrm>
+            <a:off x="4182600" y="1275224"/>
+            <a:ext cx="288000" cy="190681"/>
+          </a:xfrm>
+          <a:prstGeom prst="rect">
+            <a:avLst/>
+          </a:prstGeom>
+          <a:noFill/>
+          <a:ln>
+            <a:solidFill>
+              <a:srgbClr val="FF0000"/>
+            </a:solidFill>
+          </a:ln>
+        </p:spPr>
+        <p:style>
+          <a:lnRef idx="2">
+            <a:schemeClr val="accent1">
+              <a:shade val="50000"/>
+            </a:schemeClr>
+          </a:lnRef>
+          <a:fillRef idx="1">
+            <a:schemeClr val="accent1"/>
+          </a:fillRef>
+          <a:effectRef idx="0">
+            <a:schemeClr val="accent1"/>
+          </a:effectRef>
+          <a:fontRef idx="minor">
+            <a:schemeClr val="lt1"/>
+          </a:fontRef>
+        </p:style>
+        <p:txBody>
+          <a:bodyPr rtlCol="0" anchor="ctr"/>
+          <a:lstStyle/>
+          <a:p>
+            <a:pPr algn="ctr"/>
+            <a:endParaRPr lang="pt-BR"/>
+          </a:p>
+        </p:txBody>
+      </p:sp>
+      <p:sp>
+        <p:nvSpPr>
+          <p:cNvPr id="15" name="Retângulo 14">
+            <a:extLst>
+              <a:ext uri="{FF2B5EF4-FFF2-40B4-BE49-F238E27FC236}">
+                <a16:creationId xmlns:a16="http://schemas.microsoft.com/office/drawing/2014/main" id="{43892FD1-D73E-0F4F-6E7D-8A483881FCE7}"/>
+              </a:ext>
+            </a:extLst>
+          </p:cNvPr>
+          <p:cNvSpPr/>
+          <p:nvPr/>
+        </p:nvSpPr>
+        <p:spPr>
+          <a:xfrm>
+            <a:off x="6870700" y="375299"/>
+            <a:ext cx="972000" cy="190681"/>
+          </a:xfrm>
+          <a:prstGeom prst="rect">
+            <a:avLst/>
+          </a:prstGeom>
+          <a:noFill/>
+          <a:ln>
+            <a:solidFill>
+              <a:srgbClr val="FF0000"/>
+            </a:solidFill>
+          </a:ln>
+        </p:spPr>
+        <p:style>
+          <a:lnRef idx="2">
+            <a:schemeClr val="accent1">
+              <a:shade val="50000"/>
+            </a:schemeClr>
+          </a:lnRef>
+          <a:fillRef idx="1">
+            <a:schemeClr val="accent1"/>
+          </a:fillRef>
+          <a:effectRef idx="0">
+            <a:schemeClr val="accent1"/>
+          </a:effectRef>
+          <a:fontRef idx="minor">
+            <a:schemeClr val="lt1"/>
+          </a:fontRef>
+        </p:style>
+        <p:txBody>
+          <a:bodyPr rtlCol="0" anchor="ctr"/>
+          <a:lstStyle/>
+          <a:p>
+            <a:pPr algn="ctr"/>
+            <a:endParaRPr lang="pt-BR"/>
+          </a:p>
+        </p:txBody>
+      </p:sp>
+      <p:pic>
+        <p:nvPicPr>
+          <p:cNvPr id="24" name="Imagem 23">
+            <a:extLst>
+              <a:ext uri="{FF2B5EF4-FFF2-40B4-BE49-F238E27FC236}">
+                <a16:creationId xmlns:a16="http://schemas.microsoft.com/office/drawing/2014/main" id="{6FABB2C5-ACFA-85C4-CD0E-A171095E882F}"/>
+              </a:ext>
+            </a:extLst>
+          </p:cNvPr>
+          <p:cNvPicPr>
+            <a:picLocks noChangeAspect="1"/>
+          </p:cNvPicPr>
+          <p:nvPr/>
+        </p:nvPicPr>
+        <p:blipFill>
+          <a:blip r:embed="rId4"/>
+          <a:stretch>
+            <a:fillRect/>
+          </a:stretch>
+        </p:blipFill>
+        <p:spPr>
+          <a:xfrm>
+            <a:off x="0" y="5158911"/>
+            <a:ext cx="12192000" cy="1061378"/>
+          </a:xfrm>
+          <a:prstGeom prst="rect">
+            <a:avLst/>
+          </a:prstGeom>
+        </p:spPr>
+      </p:pic>
+      <p:sp>
+        <p:nvSpPr>
+          <p:cNvPr id="25" name="Retângulo 24">
+            <a:extLst>
+              <a:ext uri="{FF2B5EF4-FFF2-40B4-BE49-F238E27FC236}">
+                <a16:creationId xmlns:a16="http://schemas.microsoft.com/office/drawing/2014/main" id="{FFFC069D-92EF-3C96-7CD8-5289BC44F8B0}"/>
+              </a:ext>
+            </a:extLst>
+          </p:cNvPr>
+          <p:cNvSpPr/>
+          <p:nvPr/>
+        </p:nvSpPr>
+        <p:spPr>
+          <a:xfrm>
+            <a:off x="6667498" y="6017565"/>
+            <a:ext cx="5472000" cy="190681"/>
+          </a:xfrm>
+          <a:prstGeom prst="rect">
+            <a:avLst/>
+          </a:prstGeom>
+          <a:noFill/>
+          <a:ln>
+            <a:solidFill>
+              <a:srgbClr val="FF0000"/>
+            </a:solidFill>
+          </a:ln>
+        </p:spPr>
+        <p:style>
+          <a:lnRef idx="2">
+            <a:schemeClr val="accent1">
+              <a:shade val="50000"/>
+            </a:schemeClr>
+          </a:lnRef>
+          <a:fillRef idx="1">
+            <a:schemeClr val="accent1"/>
+          </a:fillRef>
+          <a:effectRef idx="0">
+            <a:schemeClr val="accent1"/>
+          </a:effectRef>
+          <a:fontRef idx="minor">
+            <a:schemeClr val="lt1"/>
+          </a:fontRef>
+        </p:style>
+        <p:txBody>
+          <a:bodyPr rtlCol="0" anchor="ctr"/>
+          <a:lstStyle/>
+          <a:p>
+            <a:pPr algn="ctr"/>
+            <a:endParaRPr lang="pt-BR"/>
+          </a:p>
+        </p:txBody>
+      </p:sp>
+      <p:sp>
+        <p:nvSpPr>
+          <p:cNvPr id="26" name="Retângulo 25">
+            <a:extLst>
+              <a:ext uri="{FF2B5EF4-FFF2-40B4-BE49-F238E27FC236}">
+                <a16:creationId xmlns:a16="http://schemas.microsoft.com/office/drawing/2014/main" id="{48549E13-45A5-5EB7-1877-2186A8411686}"/>
+              </a:ext>
+            </a:extLst>
+          </p:cNvPr>
+          <p:cNvSpPr/>
+          <p:nvPr/>
+        </p:nvSpPr>
+        <p:spPr>
+          <a:xfrm>
+            <a:off x="4038600" y="5499461"/>
+            <a:ext cx="288000" cy="190681"/>
+          </a:xfrm>
+          <a:prstGeom prst="rect">
+            <a:avLst/>
+          </a:prstGeom>
+          <a:noFill/>
+          <a:ln>
+            <a:solidFill>
+              <a:srgbClr val="FF0000"/>
+            </a:solidFill>
+          </a:ln>
+        </p:spPr>
+        <p:style>
+          <a:lnRef idx="2">
+            <a:schemeClr val="accent1">
+              <a:shade val="50000"/>
+            </a:schemeClr>
+          </a:lnRef>
+          <a:fillRef idx="1">
+            <a:schemeClr val="accent1"/>
+          </a:fillRef>
+          <a:effectRef idx="0">
+            <a:schemeClr val="accent1"/>
+          </a:effectRef>
+          <a:fontRef idx="minor">
+            <a:schemeClr val="lt1"/>
+          </a:fontRef>
+        </p:style>
+        <p:txBody>
+          <a:bodyPr rtlCol="0" anchor="ctr"/>
+          <a:lstStyle/>
+          <a:p>
+            <a:pPr algn="ctr"/>
+            <a:endParaRPr lang="pt-BR"/>
+          </a:p>
+        </p:txBody>
+      </p:sp>
+      <p:sp>
+        <p:nvSpPr>
+          <p:cNvPr id="27" name="Retângulo 26">
+            <a:extLst>
+              <a:ext uri="{FF2B5EF4-FFF2-40B4-BE49-F238E27FC236}">
+                <a16:creationId xmlns:a16="http://schemas.microsoft.com/office/drawing/2014/main" id="{AE3F70CD-5ADC-DAE9-8214-A077C6C4C7A4}"/>
+              </a:ext>
+            </a:extLst>
+          </p:cNvPr>
+          <p:cNvSpPr/>
+          <p:nvPr/>
+        </p:nvSpPr>
+        <p:spPr>
+          <a:xfrm>
+            <a:off x="5219700" y="5680892"/>
+            <a:ext cx="288000" cy="190681"/>
+          </a:xfrm>
+          <a:prstGeom prst="rect">
+            <a:avLst/>
+          </a:prstGeom>
+          <a:noFill/>
+          <a:ln>
+            <a:solidFill>
+              <a:srgbClr val="FF0000"/>
+            </a:solidFill>
+          </a:ln>
+        </p:spPr>
+        <p:style>
+          <a:lnRef idx="2">
+            <a:schemeClr val="accent1">
+              <a:shade val="50000"/>
+            </a:schemeClr>
+          </a:lnRef>
+          <a:fillRef idx="1">
+            <a:schemeClr val="accent1"/>
+          </a:fillRef>
+          <a:effectRef idx="0">
+            <a:schemeClr val="accent1"/>
+          </a:effectRef>
+          <a:fontRef idx="minor">
+            <a:schemeClr val="lt1"/>
+          </a:fontRef>
+        </p:style>
+        <p:txBody>
+          <a:bodyPr rtlCol="0" anchor="ctr"/>
+          <a:lstStyle/>
+          <a:p>
+            <a:pPr algn="ctr"/>
+            <a:endParaRPr lang="pt-BR"/>
+          </a:p>
+        </p:txBody>
+      </p:sp>
+      <p:sp>
+        <p:nvSpPr>
+          <p:cNvPr id="28" name="Retângulo 27">
+            <a:extLst>
+              <a:ext uri="{FF2B5EF4-FFF2-40B4-BE49-F238E27FC236}">
+                <a16:creationId xmlns:a16="http://schemas.microsoft.com/office/drawing/2014/main" id="{355B23B7-7748-54BF-AEAE-623B27D3D1A9}"/>
+              </a:ext>
+            </a:extLst>
+          </p:cNvPr>
+          <p:cNvSpPr/>
+          <p:nvPr/>
+        </p:nvSpPr>
+        <p:spPr>
+          <a:xfrm>
+            <a:off x="4182600" y="6029591"/>
+            <a:ext cx="288000" cy="190681"/>
+          </a:xfrm>
+          <a:prstGeom prst="rect">
+            <a:avLst/>
+          </a:prstGeom>
+          <a:noFill/>
+          <a:ln>
+            <a:solidFill>
+              <a:srgbClr val="FF0000"/>
+            </a:solidFill>
+          </a:ln>
+        </p:spPr>
+        <p:style>
+          <a:lnRef idx="2">
+            <a:schemeClr val="accent1">
+              <a:shade val="50000"/>
+            </a:schemeClr>
+          </a:lnRef>
+          <a:fillRef idx="1">
+            <a:schemeClr val="accent1"/>
+          </a:fillRef>
+          <a:effectRef idx="0">
+            <a:schemeClr val="accent1"/>
+          </a:effectRef>
+          <a:fontRef idx="minor">
+            <a:schemeClr val="lt1"/>
+          </a:fontRef>
+        </p:style>
+        <p:txBody>
+          <a:bodyPr rtlCol="0" anchor="ctr"/>
+          <a:lstStyle/>
+          <a:p>
+            <a:pPr algn="ctr"/>
+            <a:endParaRPr lang="pt-BR"/>
+          </a:p>
+        </p:txBody>
+      </p:sp>
+      <p:sp>
+        <p:nvSpPr>
+          <p:cNvPr id="29" name="Retângulo 28">
+            <a:extLst>
+              <a:ext uri="{FF2B5EF4-FFF2-40B4-BE49-F238E27FC236}">
+                <a16:creationId xmlns:a16="http://schemas.microsoft.com/office/drawing/2014/main" id="{0FE644BF-DD49-CB90-30BF-522BE253F1F3}"/>
+              </a:ext>
+            </a:extLst>
+          </p:cNvPr>
+          <p:cNvSpPr/>
+          <p:nvPr/>
+        </p:nvSpPr>
+        <p:spPr>
+          <a:xfrm>
+            <a:off x="6870700" y="5129666"/>
+            <a:ext cx="972000" cy="190681"/>
+          </a:xfrm>
+          <a:prstGeom prst="rect">
+            <a:avLst/>
+          </a:prstGeom>
+          <a:noFill/>
+          <a:ln>
+            <a:solidFill>
+              <a:srgbClr val="FF0000"/>
+            </a:solidFill>
+          </a:ln>
+        </p:spPr>
+        <p:style>
+          <a:lnRef idx="2">
+            <a:schemeClr val="accent1">
+              <a:shade val="50000"/>
+            </a:schemeClr>
+          </a:lnRef>
+          <a:fillRef idx="1">
+            <a:schemeClr val="accent1"/>
+          </a:fillRef>
+          <a:effectRef idx="0">
+            <a:schemeClr val="accent1"/>
+          </a:effectRef>
+          <a:fontRef idx="minor">
+            <a:schemeClr val="lt1"/>
+          </a:fontRef>
+        </p:style>
+        <p:txBody>
+          <a:bodyPr rtlCol="0" anchor="ctr"/>
+          <a:lstStyle/>
+          <a:p>
+            <a:pPr algn="ctr"/>
+            <a:endParaRPr lang="pt-BR"/>
+          </a:p>
+        </p:txBody>
+      </p:sp>
+    </p:spTree>
+    <p:extLst>
+      <p:ext uri="{BB962C8B-B14F-4D97-AF65-F5344CB8AC3E}">
+        <p14:creationId xmlns:p14="http://schemas.microsoft.com/office/powerpoint/2010/main" val="528717567"/>
+      </p:ext>
+    </p:extLst>
+  </p:cSld>
+  <p:clrMapOvr>
+    <a:masterClrMapping/>
+  </p:clrMapOvr>
+</p:sld>
+</file>
+
+<file path=ppt/slides/slide12.xml><?xml version="1.0" encoding="utf-8"?>
+<p:sld xmlns:a="http://schemas.openxmlformats.org/drawingml/2006/main" xmlns:r="http://schemas.openxmlformats.org/officeDocument/2006/relationships" xmlns:p="http://schemas.openxmlformats.org/presentationml/2006/main">
+  <p:cSld>
+    <p:spTree>
+      <p:nvGrpSpPr>
+        <p:cNvPr id="1" name=""/>
+        <p:cNvGrpSpPr/>
+        <p:nvPr/>
+      </p:nvGrpSpPr>
+      <p:grpSpPr>
+        <a:xfrm>
+          <a:off x="0" y="0"/>
+          <a:ext cx="0" cy="0"/>
+          <a:chOff x="0" y="0"/>
+          <a:chExt cx="0" cy="0"/>
+        </a:xfrm>
+      </p:grpSpPr>
+      <p:pic>
+        <p:nvPicPr>
+          <p:cNvPr id="4" name="Imagem 3">
+            <a:extLst>
+              <a:ext uri="{FF2B5EF4-FFF2-40B4-BE49-F238E27FC236}">
+                <a16:creationId xmlns:a16="http://schemas.microsoft.com/office/drawing/2014/main" id="{2A181E65-BA22-4E15-0BA2-4058680201DF}"/>
+              </a:ext>
+            </a:extLst>
+          </p:cNvPr>
+          <p:cNvPicPr>
+            <a:picLocks noChangeAspect="1"/>
+          </p:cNvPicPr>
+          <p:nvPr/>
+        </p:nvPicPr>
+        <p:blipFill>
+          <a:blip r:embed="rId2"/>
+          <a:stretch>
+            <a:fillRect/>
+          </a:stretch>
+        </p:blipFill>
+        <p:spPr>
+          <a:xfrm>
+            <a:off x="283472" y="324167"/>
+            <a:ext cx="10625828" cy="6258278"/>
+          </a:xfrm>
+          <a:prstGeom prst="rect">
+            <a:avLst/>
+          </a:prstGeom>
+        </p:spPr>
+      </p:pic>
+      <p:sp>
+        <p:nvSpPr>
+          <p:cNvPr id="5" name="Retângulo 4">
+            <a:extLst>
+              <a:ext uri="{FF2B5EF4-FFF2-40B4-BE49-F238E27FC236}">
+                <a16:creationId xmlns:a16="http://schemas.microsoft.com/office/drawing/2014/main" id="{D6E29666-56B8-0EA6-AF6F-1A7378AEFE1C}"/>
+              </a:ext>
+            </a:extLst>
+          </p:cNvPr>
+          <p:cNvSpPr/>
+          <p:nvPr/>
+        </p:nvSpPr>
+        <p:spPr>
+          <a:xfrm>
+            <a:off x="635000" y="927100"/>
+            <a:ext cx="8902700" cy="165100"/>
+          </a:xfrm>
+          <a:prstGeom prst="rect">
+            <a:avLst/>
+          </a:prstGeom>
+          <a:solidFill>
+            <a:srgbClr val="FFFFFF"/>
+          </a:solidFill>
+          <a:ln>
+            <a:noFill/>
+          </a:ln>
+        </p:spPr>
+        <p:style>
+          <a:lnRef idx="2">
+            <a:schemeClr val="accent1">
+              <a:shade val="50000"/>
+            </a:schemeClr>
+          </a:lnRef>
+          <a:fillRef idx="1">
+            <a:schemeClr val="accent1"/>
+          </a:fillRef>
+          <a:effectRef idx="0">
+            <a:schemeClr val="accent1"/>
+          </a:effectRef>
+          <a:fontRef idx="minor">
+            <a:schemeClr val="lt1"/>
+          </a:fontRef>
+        </p:style>
+        <p:txBody>
+          <a:bodyPr rtlCol="0" anchor="ctr"/>
+          <a:lstStyle/>
+          <a:p>
+            <a:pPr algn="ctr"/>
+            <a:endParaRPr lang="pt-BR"/>
+          </a:p>
+        </p:txBody>
+      </p:sp>
+    </p:spTree>
+    <p:extLst>
+      <p:ext uri="{BB962C8B-B14F-4D97-AF65-F5344CB8AC3E}">
+        <p14:creationId xmlns:p14="http://schemas.microsoft.com/office/powerpoint/2010/main" val="2705828366"/>
+      </p:ext>
+    </p:extLst>
+  </p:cSld>
+  <p:clrMapOvr>
+    <a:masterClrMapping/>
+  </p:clrMapOvr>
+</p:sld>
+</file>
+
 <file path=ppt/slides/slide2.xml><?xml version="1.0" encoding="utf-8"?>
 <p:sld xmlns:a="http://schemas.openxmlformats.org/drawingml/2006/main" xmlns:r="http://schemas.openxmlformats.org/officeDocument/2006/relationships" xmlns:p="http://schemas.openxmlformats.org/presentationml/2006/main">
   <p:cSld>
@@ -11034,6 +13188,1147 @@
     <p:extLst>
       <p:ext uri="{BB962C8B-B14F-4D97-AF65-F5344CB8AC3E}">
         <p14:creationId xmlns:p14="http://schemas.microsoft.com/office/powerpoint/2010/main" val="792456439"/>
+      </p:ext>
+    </p:extLst>
+  </p:cSld>
+  <p:clrMapOvr>
+    <a:masterClrMapping/>
+  </p:clrMapOvr>
+</p:sld>
+</file>
+
+<file path=ppt/slides/slide7.xml><?xml version="1.0" encoding="utf-8"?>
+<p:sld xmlns:a="http://schemas.openxmlformats.org/drawingml/2006/main" xmlns:r="http://schemas.openxmlformats.org/officeDocument/2006/relationships" xmlns:p="http://schemas.openxmlformats.org/presentationml/2006/main">
+  <p:cSld>
+    <p:spTree>
+      <p:nvGrpSpPr>
+        <p:cNvPr id="1" name=""/>
+        <p:cNvGrpSpPr/>
+        <p:nvPr/>
+      </p:nvGrpSpPr>
+      <p:grpSpPr>
+        <a:xfrm>
+          <a:off x="0" y="0"/>
+          <a:ext cx="0" cy="0"/>
+          <a:chOff x="0" y="0"/>
+          <a:chExt cx="0" cy="0"/>
+        </a:xfrm>
+      </p:grpSpPr>
+      <p:pic>
+        <p:nvPicPr>
+          <p:cNvPr id="1026" name="Picture 2">
+            <a:extLst>
+              <a:ext uri="{FF2B5EF4-FFF2-40B4-BE49-F238E27FC236}">
+                <a16:creationId xmlns:a16="http://schemas.microsoft.com/office/drawing/2014/main" id="{A10BAE6F-9A5B-076B-E4AA-93EB309AEFB3}"/>
+              </a:ext>
+            </a:extLst>
+          </p:cNvPr>
+          <p:cNvPicPr>
+            <a:picLocks noChangeAspect="1" noChangeArrowheads="1"/>
+          </p:cNvPicPr>
+          <p:nvPr/>
+        </p:nvPicPr>
+        <p:blipFill>
+          <a:blip r:embed="rId2">
+            <a:extLst>
+              <a:ext uri="{28A0092B-C50C-407E-A947-70E740481C1C}">
+                <a14:useLocalDpi xmlns:a14="http://schemas.microsoft.com/office/drawing/2010/main" val="0"/>
+              </a:ext>
+            </a:extLst>
+          </a:blip>
+          <a:srcRect/>
+          <a:stretch>
+            <a:fillRect/>
+          </a:stretch>
+        </p:blipFill>
+        <p:spPr bwMode="auto">
+          <a:xfrm>
+            <a:off x="2427399" y="893808"/>
+            <a:ext cx="8429491" cy="4684389"/>
+          </a:xfrm>
+          <a:prstGeom prst="rect">
+            <a:avLst/>
+          </a:prstGeom>
+          <a:noFill/>
+          <a:extLst>
+            <a:ext uri="{909E8E84-426E-40DD-AFC4-6F175D3DCCD1}">
+              <a14:hiddenFill xmlns:a14="http://schemas.microsoft.com/office/drawing/2010/main">
+                <a:solidFill>
+                  <a:srgbClr val="FFFFFF"/>
+                </a:solidFill>
+              </a14:hiddenFill>
+            </a:ext>
+          </a:extLst>
+        </p:spPr>
+      </p:pic>
+    </p:spTree>
+    <p:extLst>
+      <p:ext uri="{BB962C8B-B14F-4D97-AF65-F5344CB8AC3E}">
+        <p14:creationId xmlns:p14="http://schemas.microsoft.com/office/powerpoint/2010/main" val="824960369"/>
+      </p:ext>
+    </p:extLst>
+  </p:cSld>
+  <p:clrMapOvr>
+    <a:masterClrMapping/>
+  </p:clrMapOvr>
+</p:sld>
+</file>
+
+<file path=ppt/slides/slide8.xml><?xml version="1.0" encoding="utf-8"?>
+<p:sld xmlns:a="http://schemas.openxmlformats.org/drawingml/2006/main" xmlns:r="http://schemas.openxmlformats.org/officeDocument/2006/relationships" xmlns:p="http://schemas.openxmlformats.org/presentationml/2006/main">
+  <p:cSld>
+    <p:spTree>
+      <p:nvGrpSpPr>
+        <p:cNvPr id="1" name=""/>
+        <p:cNvGrpSpPr/>
+        <p:nvPr/>
+      </p:nvGrpSpPr>
+      <p:grpSpPr>
+        <a:xfrm>
+          <a:off x="0" y="0"/>
+          <a:ext cx="0" cy="0"/>
+          <a:chOff x="0" y="0"/>
+          <a:chExt cx="0" cy="0"/>
+        </a:xfrm>
+      </p:grpSpPr>
+      <p:pic>
+        <p:nvPicPr>
+          <p:cNvPr id="2050" name="Picture 2">
+            <a:extLst>
+              <a:ext uri="{FF2B5EF4-FFF2-40B4-BE49-F238E27FC236}">
+                <a16:creationId xmlns:a16="http://schemas.microsoft.com/office/drawing/2014/main" id="{62F29DC0-E57F-E0CC-7390-9ECFD324D541}"/>
+              </a:ext>
+            </a:extLst>
+          </p:cNvPr>
+          <p:cNvPicPr>
+            <a:picLocks noChangeAspect="1" noChangeArrowheads="1"/>
+          </p:cNvPicPr>
+          <p:nvPr/>
+        </p:nvPicPr>
+        <p:blipFill>
+          <a:blip r:embed="rId2">
+            <a:extLst>
+              <a:ext uri="{28A0092B-C50C-407E-A947-70E740481C1C}">
+                <a14:useLocalDpi xmlns:a14="http://schemas.microsoft.com/office/drawing/2010/main" val="0"/>
+              </a:ext>
+            </a:extLst>
+          </a:blip>
+          <a:srcRect/>
+          <a:stretch>
+            <a:fillRect/>
+          </a:stretch>
+        </p:blipFill>
+        <p:spPr bwMode="auto">
+          <a:xfrm>
+            <a:off x="2762250" y="2262188"/>
+            <a:ext cx="6667500" cy="2333625"/>
+          </a:xfrm>
+          <a:prstGeom prst="rect">
+            <a:avLst/>
+          </a:prstGeom>
+          <a:noFill/>
+          <a:extLst>
+            <a:ext uri="{909E8E84-426E-40DD-AFC4-6F175D3DCCD1}">
+              <a14:hiddenFill xmlns:a14="http://schemas.microsoft.com/office/drawing/2010/main">
+                <a:solidFill>
+                  <a:srgbClr val="FFFFFF"/>
+                </a:solidFill>
+              </a14:hiddenFill>
+            </a:ext>
+          </a:extLst>
+        </p:spPr>
+      </p:pic>
+    </p:spTree>
+    <p:extLst>
+      <p:ext uri="{BB962C8B-B14F-4D97-AF65-F5344CB8AC3E}">
+        <p14:creationId xmlns:p14="http://schemas.microsoft.com/office/powerpoint/2010/main" val="3058568752"/>
+      </p:ext>
+    </p:extLst>
+  </p:cSld>
+  <p:clrMapOvr>
+    <a:masterClrMapping/>
+  </p:clrMapOvr>
+</p:sld>
+</file>
+
+<file path=ppt/slides/slide9.xml><?xml version="1.0" encoding="utf-8"?>
+<p:sld xmlns:a="http://schemas.openxmlformats.org/drawingml/2006/main" xmlns:r="http://schemas.openxmlformats.org/officeDocument/2006/relationships" xmlns:p="http://schemas.openxmlformats.org/presentationml/2006/main">
+  <p:cSld>
+    <p:spTree>
+      <p:nvGrpSpPr>
+        <p:cNvPr id="1" name=""/>
+        <p:cNvGrpSpPr/>
+        <p:nvPr/>
+      </p:nvGrpSpPr>
+      <p:grpSpPr>
+        <a:xfrm>
+          <a:off x="0" y="0"/>
+          <a:ext cx="0" cy="0"/>
+          <a:chOff x="0" y="0"/>
+          <a:chExt cx="0" cy="0"/>
+        </a:xfrm>
+      </p:grpSpPr>
+      <p:pic>
+        <p:nvPicPr>
+          <p:cNvPr id="3074" name="Picture 2">
+            <a:extLst>
+              <a:ext uri="{FF2B5EF4-FFF2-40B4-BE49-F238E27FC236}">
+                <a16:creationId xmlns:a16="http://schemas.microsoft.com/office/drawing/2014/main" id="{4EE91BAE-8F7E-29E5-1A63-4CAE69340EF2}"/>
+              </a:ext>
+            </a:extLst>
+          </p:cNvPr>
+          <p:cNvPicPr>
+            <a:picLocks noChangeAspect="1" noChangeArrowheads="1"/>
+          </p:cNvPicPr>
+          <p:nvPr/>
+        </p:nvPicPr>
+        <p:blipFill>
+          <a:blip r:embed="rId2">
+            <a:extLst>
+              <a:ext uri="{28A0092B-C50C-407E-A947-70E740481C1C}">
+                <a14:useLocalDpi xmlns:a14="http://schemas.microsoft.com/office/drawing/2010/main" val="0"/>
+              </a:ext>
+            </a:extLst>
+          </a:blip>
+          <a:srcRect/>
+          <a:stretch>
+            <a:fillRect/>
+          </a:stretch>
+        </p:blipFill>
+        <p:spPr bwMode="auto">
+          <a:xfrm>
+            <a:off x="1950881" y="62650"/>
+            <a:ext cx="6667500" cy="3000375"/>
+          </a:xfrm>
+          <a:prstGeom prst="rect">
+            <a:avLst/>
+          </a:prstGeom>
+          <a:noFill/>
+          <a:extLst>
+            <a:ext uri="{909E8E84-426E-40DD-AFC4-6F175D3DCCD1}">
+              <a14:hiddenFill xmlns:a14="http://schemas.microsoft.com/office/drawing/2010/main">
+                <a:solidFill>
+                  <a:srgbClr val="FFFFFF"/>
+                </a:solidFill>
+              </a14:hiddenFill>
+            </a:ext>
+          </a:extLst>
+        </p:spPr>
+      </p:pic>
+      <p:sp>
+        <p:nvSpPr>
+          <p:cNvPr id="4" name="Retângulo 3">
+            <a:extLst>
+              <a:ext uri="{FF2B5EF4-FFF2-40B4-BE49-F238E27FC236}">
+                <a16:creationId xmlns:a16="http://schemas.microsoft.com/office/drawing/2014/main" id="{1204067E-AE1B-611E-82C9-4FFE28E13DF7}"/>
+              </a:ext>
+            </a:extLst>
+          </p:cNvPr>
+          <p:cNvSpPr/>
+          <p:nvPr/>
+        </p:nvSpPr>
+        <p:spPr>
+          <a:xfrm>
+            <a:off x="1287888" y="4095481"/>
+            <a:ext cx="2524259" cy="605307"/>
+          </a:xfrm>
+          <a:prstGeom prst="rect">
+            <a:avLst/>
+          </a:prstGeom>
+          <a:solidFill>
+            <a:srgbClr val="E2D0DA"/>
+          </a:solidFill>
+        </p:spPr>
+        <p:style>
+          <a:lnRef idx="2">
+            <a:schemeClr val="accent1">
+              <a:shade val="50000"/>
+            </a:schemeClr>
+          </a:lnRef>
+          <a:fillRef idx="1">
+            <a:schemeClr val="accent1"/>
+          </a:fillRef>
+          <a:effectRef idx="0">
+            <a:schemeClr val="accent1"/>
+          </a:effectRef>
+          <a:fontRef idx="minor">
+            <a:schemeClr val="lt1"/>
+          </a:fontRef>
+        </p:style>
+        <p:txBody>
+          <a:bodyPr rtlCol="0" anchor="ctr"/>
+          <a:lstStyle/>
+          <a:p>
+            <a:pPr algn="ctr"/>
+            <a:r>
+              <a:rPr lang="pt-BR" dirty="0">
+                <a:solidFill>
+                  <a:srgbClr val="D468EA"/>
+                </a:solidFill>
+              </a:rPr>
+              <a:t>Header</a:t>
+            </a:r>
+          </a:p>
+        </p:txBody>
+      </p:sp>
+      <p:sp>
+        <p:nvSpPr>
+          <p:cNvPr id="5" name="Retângulo 4">
+            <a:extLst>
+              <a:ext uri="{FF2B5EF4-FFF2-40B4-BE49-F238E27FC236}">
+                <a16:creationId xmlns:a16="http://schemas.microsoft.com/office/drawing/2014/main" id="{B6B6865F-7232-BAFE-D25E-E050B5A53EA0}"/>
+              </a:ext>
+            </a:extLst>
+          </p:cNvPr>
+          <p:cNvSpPr/>
+          <p:nvPr/>
+        </p:nvSpPr>
+        <p:spPr>
+          <a:xfrm>
+            <a:off x="1287887" y="4744791"/>
+            <a:ext cx="2524259" cy="605307"/>
+          </a:xfrm>
+          <a:prstGeom prst="rect">
+            <a:avLst/>
+          </a:prstGeom>
+          <a:solidFill>
+            <a:srgbClr val="D6D1E7"/>
+          </a:solidFill>
+        </p:spPr>
+        <p:style>
+          <a:lnRef idx="2">
+            <a:schemeClr val="accent1">
+              <a:shade val="50000"/>
+            </a:schemeClr>
+          </a:lnRef>
+          <a:fillRef idx="1">
+            <a:schemeClr val="accent1"/>
+          </a:fillRef>
+          <a:effectRef idx="0">
+            <a:schemeClr val="accent1"/>
+          </a:effectRef>
+          <a:fontRef idx="minor">
+            <a:schemeClr val="lt1"/>
+          </a:fontRef>
+        </p:style>
+        <p:txBody>
+          <a:bodyPr rtlCol="0" anchor="ctr"/>
+          <a:lstStyle/>
+          <a:p>
+            <a:pPr algn="ctr"/>
+            <a:r>
+              <a:rPr lang="pt-BR" dirty="0">
+                <a:solidFill>
+                  <a:schemeClr val="accent5">
+                    <a:lumMod val="75000"/>
+                  </a:schemeClr>
+                </a:solidFill>
+              </a:rPr>
+              <a:t>Data</a:t>
+            </a:r>
+          </a:p>
+        </p:txBody>
+      </p:sp>
+      <p:sp>
+        <p:nvSpPr>
+          <p:cNvPr id="6" name="Retângulo 5">
+            <a:extLst>
+              <a:ext uri="{FF2B5EF4-FFF2-40B4-BE49-F238E27FC236}">
+                <a16:creationId xmlns:a16="http://schemas.microsoft.com/office/drawing/2014/main" id="{042B66BD-1032-A4E4-6BA1-389F102A88B1}"/>
+              </a:ext>
+            </a:extLst>
+          </p:cNvPr>
+          <p:cNvSpPr/>
+          <p:nvPr/>
+        </p:nvSpPr>
+        <p:spPr>
+          <a:xfrm>
+            <a:off x="1287887" y="5385515"/>
+            <a:ext cx="2524259" cy="605307"/>
+          </a:xfrm>
+          <a:prstGeom prst="rect">
+            <a:avLst/>
+          </a:prstGeom>
+          <a:solidFill>
+            <a:srgbClr val="F4E4CD"/>
+          </a:solidFill>
+        </p:spPr>
+        <p:style>
+          <a:lnRef idx="2">
+            <a:schemeClr val="accent1">
+              <a:shade val="50000"/>
+            </a:schemeClr>
+          </a:lnRef>
+          <a:fillRef idx="1">
+            <a:schemeClr val="accent1"/>
+          </a:fillRef>
+          <a:effectRef idx="0">
+            <a:schemeClr val="accent1"/>
+          </a:effectRef>
+          <a:fontRef idx="minor">
+            <a:schemeClr val="lt1"/>
+          </a:fontRef>
+        </p:style>
+        <p:txBody>
+          <a:bodyPr rtlCol="0" anchor="ctr"/>
+          <a:lstStyle/>
+          <a:p>
+            <a:pPr algn="ctr"/>
+            <a:r>
+              <a:rPr lang="pt-BR" dirty="0">
+                <a:solidFill>
+                  <a:srgbClr val="DEA03A"/>
+                </a:solidFill>
+              </a:rPr>
+              <a:t>Metadata</a:t>
+            </a:r>
+          </a:p>
+        </p:txBody>
+      </p:sp>
+      <p:pic>
+        <p:nvPicPr>
+          <p:cNvPr id="9" name="Imagem 8">
+            <a:extLst>
+              <a:ext uri="{FF2B5EF4-FFF2-40B4-BE49-F238E27FC236}">
+                <a16:creationId xmlns:a16="http://schemas.microsoft.com/office/drawing/2014/main" id="{EE3A06E0-1B25-CF1C-3C51-69C83B6DF27E}"/>
+              </a:ext>
+            </a:extLst>
+          </p:cNvPr>
+          <p:cNvPicPr>
+            <a:picLocks noChangeAspect="1"/>
+          </p:cNvPicPr>
+          <p:nvPr/>
+        </p:nvPicPr>
+        <p:blipFill>
+          <a:blip r:embed="rId3"/>
+          <a:stretch>
+            <a:fillRect/>
+          </a:stretch>
+        </p:blipFill>
+        <p:spPr>
+          <a:xfrm>
+            <a:off x="4897900" y="3426200"/>
+            <a:ext cx="3602156" cy="3274687"/>
+          </a:xfrm>
+          <a:prstGeom prst="rect">
+            <a:avLst/>
+          </a:prstGeom>
+          <a:ln>
+            <a:solidFill>
+              <a:schemeClr val="accent1"/>
+            </a:solidFill>
+          </a:ln>
+        </p:spPr>
+      </p:pic>
+      <p:sp>
+        <p:nvSpPr>
+          <p:cNvPr id="10" name="Retângulo 9">
+            <a:extLst>
+              <a:ext uri="{FF2B5EF4-FFF2-40B4-BE49-F238E27FC236}">
+                <a16:creationId xmlns:a16="http://schemas.microsoft.com/office/drawing/2014/main" id="{64322E89-11A0-EE83-3F49-C12118E6877C}"/>
+              </a:ext>
+            </a:extLst>
+          </p:cNvPr>
+          <p:cNvSpPr/>
+          <p:nvPr/>
+        </p:nvSpPr>
+        <p:spPr>
+          <a:xfrm>
+            <a:off x="5241701" y="3606085"/>
+            <a:ext cx="3168203" cy="1326523"/>
+          </a:xfrm>
+          <a:prstGeom prst="rect">
+            <a:avLst/>
+          </a:prstGeom>
+          <a:noFill/>
+          <a:ln w="28575">
+            <a:solidFill>
+              <a:srgbClr val="2E75B6"/>
+            </a:solidFill>
+          </a:ln>
+        </p:spPr>
+        <p:style>
+          <a:lnRef idx="2">
+            <a:schemeClr val="accent1">
+              <a:shade val="50000"/>
+            </a:schemeClr>
+          </a:lnRef>
+          <a:fillRef idx="1">
+            <a:schemeClr val="accent1"/>
+          </a:fillRef>
+          <a:effectRef idx="0">
+            <a:schemeClr val="accent1"/>
+          </a:effectRef>
+          <a:fontRef idx="minor">
+            <a:schemeClr val="lt1"/>
+          </a:fontRef>
+        </p:style>
+        <p:txBody>
+          <a:bodyPr rtlCol="0" anchor="ctr"/>
+          <a:lstStyle/>
+          <a:p>
+            <a:pPr algn="ctr"/>
+            <a:endParaRPr lang="pt-BR"/>
+          </a:p>
+        </p:txBody>
+      </p:sp>
+      <p:sp>
+        <p:nvSpPr>
+          <p:cNvPr id="11" name="Retângulo 10">
+            <a:extLst>
+              <a:ext uri="{FF2B5EF4-FFF2-40B4-BE49-F238E27FC236}">
+                <a16:creationId xmlns:a16="http://schemas.microsoft.com/office/drawing/2014/main" id="{54770F5E-A127-C0F8-E508-8D02FC28F3F6}"/>
+              </a:ext>
+            </a:extLst>
+          </p:cNvPr>
+          <p:cNvSpPr/>
+          <p:nvPr/>
+        </p:nvSpPr>
+        <p:spPr>
+          <a:xfrm>
+            <a:off x="5241700" y="4973390"/>
+            <a:ext cx="3168203" cy="504000"/>
+          </a:xfrm>
+          <a:prstGeom prst="rect">
+            <a:avLst/>
+          </a:prstGeom>
+          <a:noFill/>
+          <a:ln w="28575">
+            <a:solidFill>
+              <a:srgbClr val="D468EA"/>
+            </a:solidFill>
+          </a:ln>
+        </p:spPr>
+        <p:style>
+          <a:lnRef idx="2">
+            <a:schemeClr val="accent1">
+              <a:shade val="50000"/>
+            </a:schemeClr>
+          </a:lnRef>
+          <a:fillRef idx="1">
+            <a:schemeClr val="accent1"/>
+          </a:fillRef>
+          <a:effectRef idx="0">
+            <a:schemeClr val="accent1"/>
+          </a:effectRef>
+          <a:fontRef idx="minor">
+            <a:schemeClr val="lt1"/>
+          </a:fontRef>
+        </p:style>
+        <p:txBody>
+          <a:bodyPr rtlCol="0" anchor="ctr"/>
+          <a:lstStyle/>
+          <a:p>
+            <a:pPr algn="ctr"/>
+            <a:endParaRPr lang="pt-BR"/>
+          </a:p>
+        </p:txBody>
+      </p:sp>
+      <p:sp>
+        <p:nvSpPr>
+          <p:cNvPr id="12" name="Retângulo 11">
+            <a:extLst>
+              <a:ext uri="{FF2B5EF4-FFF2-40B4-BE49-F238E27FC236}">
+                <a16:creationId xmlns:a16="http://schemas.microsoft.com/office/drawing/2014/main" id="{7553B629-631E-37D1-10AF-D724FC6EBAC8}"/>
+              </a:ext>
+            </a:extLst>
+          </p:cNvPr>
+          <p:cNvSpPr/>
+          <p:nvPr/>
+        </p:nvSpPr>
+        <p:spPr>
+          <a:xfrm>
+            <a:off x="5241699" y="5507864"/>
+            <a:ext cx="3168203" cy="828000"/>
+          </a:xfrm>
+          <a:prstGeom prst="rect">
+            <a:avLst/>
+          </a:prstGeom>
+          <a:noFill/>
+          <a:ln w="28575">
+            <a:solidFill>
+              <a:srgbClr val="DEA03A"/>
+            </a:solidFill>
+          </a:ln>
+        </p:spPr>
+        <p:style>
+          <a:lnRef idx="2">
+            <a:schemeClr val="accent1">
+              <a:shade val="50000"/>
+            </a:schemeClr>
+          </a:lnRef>
+          <a:fillRef idx="1">
+            <a:schemeClr val="accent1"/>
+          </a:fillRef>
+          <a:effectRef idx="0">
+            <a:schemeClr val="accent1"/>
+          </a:effectRef>
+          <a:fontRef idx="minor">
+            <a:schemeClr val="lt1"/>
+          </a:fontRef>
+        </p:style>
+        <p:txBody>
+          <a:bodyPr rtlCol="0" anchor="ctr"/>
+          <a:lstStyle/>
+          <a:p>
+            <a:pPr algn="ctr"/>
+            <a:endParaRPr lang="pt-BR"/>
+          </a:p>
+        </p:txBody>
+      </p:sp>
+      <p:sp>
+        <p:nvSpPr>
+          <p:cNvPr id="23" name="Forma Livre: Forma 22">
+            <a:extLst>
+              <a:ext uri="{FF2B5EF4-FFF2-40B4-BE49-F238E27FC236}">
+                <a16:creationId xmlns:a16="http://schemas.microsoft.com/office/drawing/2014/main" id="{D11C21C8-72FF-6B54-6984-43F328457F65}"/>
+              </a:ext>
+            </a:extLst>
+          </p:cNvPr>
+          <p:cNvSpPr/>
+          <p:nvPr/>
+        </p:nvSpPr>
+        <p:spPr>
+          <a:xfrm>
+            <a:off x="3812146" y="4039575"/>
+            <a:ext cx="1416676" cy="969397"/>
+          </a:xfrm>
+          <a:custGeom>
+            <a:avLst/>
+            <a:gdLst>
+              <a:gd name="connsiteX0" fmla="*/ 0 w 6194738"/>
+              <a:gd name="connsiteY0" fmla="*/ 0 h 1790833"/>
+              <a:gd name="connsiteX1" fmla="*/ 1803042 w 6194738"/>
+              <a:gd name="connsiteY1" fmla="*/ 1133341 h 1790833"/>
+              <a:gd name="connsiteX2" fmla="*/ 1803042 w 6194738"/>
+              <a:gd name="connsiteY2" fmla="*/ 1133341 h 1790833"/>
+              <a:gd name="connsiteX3" fmla="*/ 3322749 w 6194738"/>
+              <a:gd name="connsiteY3" fmla="*/ 553792 h 1790833"/>
+              <a:gd name="connsiteX4" fmla="*/ 5525037 w 6194738"/>
+              <a:gd name="connsiteY4" fmla="*/ 1674254 h 1790833"/>
+              <a:gd name="connsiteX5" fmla="*/ 6194738 w 6194738"/>
+              <a:gd name="connsiteY5" fmla="*/ 1700011 h 1790833"/>
+              <a:gd name="connsiteX0" fmla="*/ 0 w 4391696"/>
+              <a:gd name="connsiteY0" fmla="*/ 589133 h 1246625"/>
+              <a:gd name="connsiteX1" fmla="*/ 0 w 4391696"/>
+              <a:gd name="connsiteY1" fmla="*/ 589133 h 1246625"/>
+              <a:gd name="connsiteX2" fmla="*/ 1519707 w 4391696"/>
+              <a:gd name="connsiteY2" fmla="*/ 9584 h 1246625"/>
+              <a:gd name="connsiteX3" fmla="*/ 3721995 w 4391696"/>
+              <a:gd name="connsiteY3" fmla="*/ 1130046 h 1246625"/>
+              <a:gd name="connsiteX4" fmla="*/ 4391696 w 4391696"/>
+              <a:gd name="connsiteY4" fmla="*/ 1155803 h 1246625"/>
+              <a:gd name="connsiteX0" fmla="*/ 0 w 4391696"/>
+              <a:gd name="connsiteY0" fmla="*/ 589947 h 1156617"/>
+              <a:gd name="connsiteX1" fmla="*/ 0 w 4391696"/>
+              <a:gd name="connsiteY1" fmla="*/ 589947 h 1156617"/>
+              <a:gd name="connsiteX2" fmla="*/ 1519707 w 4391696"/>
+              <a:gd name="connsiteY2" fmla="*/ 10398 h 1156617"/>
+              <a:gd name="connsiteX3" fmla="*/ 4391696 w 4391696"/>
+              <a:gd name="connsiteY3" fmla="*/ 1156617 h 1156617"/>
+              <a:gd name="connsiteX0" fmla="*/ 0 w 1558728"/>
+              <a:gd name="connsiteY0" fmla="*/ 986130 h 986130"/>
+              <a:gd name="connsiteX1" fmla="*/ 0 w 1558728"/>
+              <a:gd name="connsiteY1" fmla="*/ 986130 h 986130"/>
+              <a:gd name="connsiteX2" fmla="*/ 1519707 w 1558728"/>
+              <a:gd name="connsiteY2" fmla="*/ 406581 h 986130"/>
+              <a:gd name="connsiteX3" fmla="*/ 1416676 w 1558728"/>
+              <a:gd name="connsiteY3" fmla="*/ 71730 h 986130"/>
+              <a:gd name="connsiteX0" fmla="*/ 0 w 1416676"/>
+              <a:gd name="connsiteY0" fmla="*/ 971651 h 971651"/>
+              <a:gd name="connsiteX1" fmla="*/ 0 w 1416676"/>
+              <a:gd name="connsiteY1" fmla="*/ 971651 h 971651"/>
+              <a:gd name="connsiteX2" fmla="*/ 618185 w 1416676"/>
+              <a:gd name="connsiteY2" fmla="*/ 546648 h 971651"/>
+              <a:gd name="connsiteX3" fmla="*/ 1416676 w 1416676"/>
+              <a:gd name="connsiteY3" fmla="*/ 57251 h 971651"/>
+              <a:gd name="connsiteX0" fmla="*/ 0 w 1416676"/>
+              <a:gd name="connsiteY0" fmla="*/ 1001763 h 1001763"/>
+              <a:gd name="connsiteX1" fmla="*/ 0 w 1416676"/>
+              <a:gd name="connsiteY1" fmla="*/ 1001763 h 1001763"/>
+              <a:gd name="connsiteX2" fmla="*/ 618185 w 1416676"/>
+              <a:gd name="connsiteY2" fmla="*/ 576760 h 1001763"/>
+              <a:gd name="connsiteX3" fmla="*/ 1416676 w 1416676"/>
+              <a:gd name="connsiteY3" fmla="*/ 87363 h 1001763"/>
+              <a:gd name="connsiteX0" fmla="*/ 0 w 1416676"/>
+              <a:gd name="connsiteY0" fmla="*/ 986314 h 986314"/>
+              <a:gd name="connsiteX1" fmla="*/ 0 w 1416676"/>
+              <a:gd name="connsiteY1" fmla="*/ 986314 h 986314"/>
+              <a:gd name="connsiteX2" fmla="*/ 618185 w 1416676"/>
+              <a:gd name="connsiteY2" fmla="*/ 677220 h 986314"/>
+              <a:gd name="connsiteX3" fmla="*/ 1416676 w 1416676"/>
+              <a:gd name="connsiteY3" fmla="*/ 71914 h 986314"/>
+              <a:gd name="connsiteX0" fmla="*/ 0 w 1416676"/>
+              <a:gd name="connsiteY0" fmla="*/ 1000003 h 1021284"/>
+              <a:gd name="connsiteX1" fmla="*/ 0 w 1416676"/>
+              <a:gd name="connsiteY1" fmla="*/ 1000003 h 1021284"/>
+              <a:gd name="connsiteX2" fmla="*/ 618185 w 1416676"/>
+              <a:gd name="connsiteY2" fmla="*/ 690909 h 1021284"/>
+              <a:gd name="connsiteX3" fmla="*/ 1416676 w 1416676"/>
+              <a:gd name="connsiteY3" fmla="*/ 85603 h 1021284"/>
+              <a:gd name="connsiteX0" fmla="*/ 0 w 1416676"/>
+              <a:gd name="connsiteY0" fmla="*/ 969397 h 969397"/>
+              <a:gd name="connsiteX1" fmla="*/ 0 w 1416676"/>
+              <a:gd name="connsiteY1" fmla="*/ 969397 h 969397"/>
+              <a:gd name="connsiteX2" fmla="*/ 618185 w 1416676"/>
+              <a:gd name="connsiteY2" fmla="*/ 660303 h 969397"/>
+              <a:gd name="connsiteX3" fmla="*/ 1416676 w 1416676"/>
+              <a:gd name="connsiteY3" fmla="*/ 54997 h 969397"/>
+            </a:gdLst>
+            <a:ahLst/>
+            <a:cxnLst>
+              <a:cxn ang="0">
+                <a:pos x="connsiteX0" y="connsiteY0"/>
+              </a:cxn>
+              <a:cxn ang="0">
+                <a:pos x="connsiteX1" y="connsiteY1"/>
+              </a:cxn>
+              <a:cxn ang="0">
+                <a:pos x="connsiteX2" y="connsiteY2"/>
+              </a:cxn>
+              <a:cxn ang="0">
+                <a:pos x="connsiteX3" y="connsiteY3"/>
+              </a:cxn>
+            </a:cxnLst>
+            <a:rect l="l" t="t" r="r" b="b"/>
+            <a:pathLst>
+              <a:path w="1416676" h="969397">
+                <a:moveTo>
+                  <a:pt x="0" y="969397"/>
+                </a:moveTo>
+                <a:lnTo>
+                  <a:pt x="0" y="969397"/>
+                </a:lnTo>
+                <a:cubicBezTo>
+                  <a:pt x="253284" y="872806"/>
+                  <a:pt x="472225" y="902854"/>
+                  <a:pt x="618185" y="660303"/>
+                </a:cubicBezTo>
+                <a:cubicBezTo>
+                  <a:pt x="764145" y="417752"/>
+                  <a:pt x="818345" y="-183798"/>
+                  <a:pt x="1416676" y="54997"/>
+                </a:cubicBezTo>
+              </a:path>
+            </a:pathLst>
+          </a:custGeom>
+          <a:noFill/>
+        </p:spPr>
+        <p:style>
+          <a:lnRef idx="2">
+            <a:schemeClr val="accent1">
+              <a:shade val="50000"/>
+            </a:schemeClr>
+          </a:lnRef>
+          <a:fillRef idx="1">
+            <a:schemeClr val="accent1"/>
+          </a:fillRef>
+          <a:effectRef idx="0">
+            <a:schemeClr val="accent1"/>
+          </a:effectRef>
+          <a:fontRef idx="minor">
+            <a:schemeClr val="lt1"/>
+          </a:fontRef>
+        </p:style>
+        <p:txBody>
+          <a:bodyPr rtlCol="0" anchor="ctr"/>
+          <a:lstStyle/>
+          <a:p>
+            <a:pPr algn="ctr"/>
+            <a:endParaRPr lang="pt-BR"/>
+          </a:p>
+        </p:txBody>
+      </p:sp>
+      <p:sp>
+        <p:nvSpPr>
+          <p:cNvPr id="24" name="Forma Livre: Forma 23">
+            <a:extLst>
+              <a:ext uri="{FF2B5EF4-FFF2-40B4-BE49-F238E27FC236}">
+                <a16:creationId xmlns:a16="http://schemas.microsoft.com/office/drawing/2014/main" id="{3EBCF744-AC6D-F751-A5F4-82C62045E5DF}"/>
+              </a:ext>
+            </a:extLst>
+          </p:cNvPr>
+          <p:cNvSpPr/>
+          <p:nvPr/>
+        </p:nvSpPr>
+        <p:spPr>
+          <a:xfrm>
+            <a:off x="3848636" y="4440158"/>
+            <a:ext cx="1352282" cy="759853"/>
+          </a:xfrm>
+          <a:custGeom>
+            <a:avLst/>
+            <a:gdLst>
+              <a:gd name="connsiteX0" fmla="*/ 0 w 6194738"/>
+              <a:gd name="connsiteY0" fmla="*/ 0 h 1790833"/>
+              <a:gd name="connsiteX1" fmla="*/ 1803042 w 6194738"/>
+              <a:gd name="connsiteY1" fmla="*/ 1133341 h 1790833"/>
+              <a:gd name="connsiteX2" fmla="*/ 1803042 w 6194738"/>
+              <a:gd name="connsiteY2" fmla="*/ 1133341 h 1790833"/>
+              <a:gd name="connsiteX3" fmla="*/ 3322749 w 6194738"/>
+              <a:gd name="connsiteY3" fmla="*/ 553792 h 1790833"/>
+              <a:gd name="connsiteX4" fmla="*/ 5525037 w 6194738"/>
+              <a:gd name="connsiteY4" fmla="*/ 1674254 h 1790833"/>
+              <a:gd name="connsiteX5" fmla="*/ 6194738 w 6194738"/>
+              <a:gd name="connsiteY5" fmla="*/ 1700011 h 1790833"/>
+              <a:gd name="connsiteX0" fmla="*/ 0 w 4391696"/>
+              <a:gd name="connsiteY0" fmla="*/ 589133 h 1246625"/>
+              <a:gd name="connsiteX1" fmla="*/ 0 w 4391696"/>
+              <a:gd name="connsiteY1" fmla="*/ 589133 h 1246625"/>
+              <a:gd name="connsiteX2" fmla="*/ 1519707 w 4391696"/>
+              <a:gd name="connsiteY2" fmla="*/ 9584 h 1246625"/>
+              <a:gd name="connsiteX3" fmla="*/ 3721995 w 4391696"/>
+              <a:gd name="connsiteY3" fmla="*/ 1130046 h 1246625"/>
+              <a:gd name="connsiteX4" fmla="*/ 4391696 w 4391696"/>
+              <a:gd name="connsiteY4" fmla="*/ 1155803 h 1246625"/>
+              <a:gd name="connsiteX0" fmla="*/ 0 w 4391696"/>
+              <a:gd name="connsiteY0" fmla="*/ 589947 h 1156617"/>
+              <a:gd name="connsiteX1" fmla="*/ 0 w 4391696"/>
+              <a:gd name="connsiteY1" fmla="*/ 589947 h 1156617"/>
+              <a:gd name="connsiteX2" fmla="*/ 1519707 w 4391696"/>
+              <a:gd name="connsiteY2" fmla="*/ 10398 h 1156617"/>
+              <a:gd name="connsiteX3" fmla="*/ 4391696 w 4391696"/>
+              <a:gd name="connsiteY3" fmla="*/ 1156617 h 1156617"/>
+              <a:gd name="connsiteX0" fmla="*/ 0 w 1558728"/>
+              <a:gd name="connsiteY0" fmla="*/ 986130 h 986130"/>
+              <a:gd name="connsiteX1" fmla="*/ 0 w 1558728"/>
+              <a:gd name="connsiteY1" fmla="*/ 986130 h 986130"/>
+              <a:gd name="connsiteX2" fmla="*/ 1519707 w 1558728"/>
+              <a:gd name="connsiteY2" fmla="*/ 406581 h 986130"/>
+              <a:gd name="connsiteX3" fmla="*/ 1416676 w 1558728"/>
+              <a:gd name="connsiteY3" fmla="*/ 71730 h 986130"/>
+              <a:gd name="connsiteX0" fmla="*/ 0 w 1416676"/>
+              <a:gd name="connsiteY0" fmla="*/ 971651 h 971651"/>
+              <a:gd name="connsiteX1" fmla="*/ 0 w 1416676"/>
+              <a:gd name="connsiteY1" fmla="*/ 971651 h 971651"/>
+              <a:gd name="connsiteX2" fmla="*/ 618185 w 1416676"/>
+              <a:gd name="connsiteY2" fmla="*/ 546648 h 971651"/>
+              <a:gd name="connsiteX3" fmla="*/ 1416676 w 1416676"/>
+              <a:gd name="connsiteY3" fmla="*/ 57251 h 971651"/>
+              <a:gd name="connsiteX0" fmla="*/ 0 w 1416676"/>
+              <a:gd name="connsiteY0" fmla="*/ 1001763 h 1001763"/>
+              <a:gd name="connsiteX1" fmla="*/ 0 w 1416676"/>
+              <a:gd name="connsiteY1" fmla="*/ 1001763 h 1001763"/>
+              <a:gd name="connsiteX2" fmla="*/ 618185 w 1416676"/>
+              <a:gd name="connsiteY2" fmla="*/ 576760 h 1001763"/>
+              <a:gd name="connsiteX3" fmla="*/ 1416676 w 1416676"/>
+              <a:gd name="connsiteY3" fmla="*/ 87363 h 1001763"/>
+              <a:gd name="connsiteX0" fmla="*/ 0 w 1416676"/>
+              <a:gd name="connsiteY0" fmla="*/ 986314 h 986314"/>
+              <a:gd name="connsiteX1" fmla="*/ 0 w 1416676"/>
+              <a:gd name="connsiteY1" fmla="*/ 986314 h 986314"/>
+              <a:gd name="connsiteX2" fmla="*/ 618185 w 1416676"/>
+              <a:gd name="connsiteY2" fmla="*/ 677220 h 986314"/>
+              <a:gd name="connsiteX3" fmla="*/ 1416676 w 1416676"/>
+              <a:gd name="connsiteY3" fmla="*/ 71914 h 986314"/>
+              <a:gd name="connsiteX0" fmla="*/ 0 w 1416676"/>
+              <a:gd name="connsiteY0" fmla="*/ 1000003 h 1021284"/>
+              <a:gd name="connsiteX1" fmla="*/ 0 w 1416676"/>
+              <a:gd name="connsiteY1" fmla="*/ 1000003 h 1021284"/>
+              <a:gd name="connsiteX2" fmla="*/ 618185 w 1416676"/>
+              <a:gd name="connsiteY2" fmla="*/ 690909 h 1021284"/>
+              <a:gd name="connsiteX3" fmla="*/ 1416676 w 1416676"/>
+              <a:gd name="connsiteY3" fmla="*/ 85603 h 1021284"/>
+              <a:gd name="connsiteX0" fmla="*/ 0 w 1416676"/>
+              <a:gd name="connsiteY0" fmla="*/ 967508 h 1328117"/>
+              <a:gd name="connsiteX1" fmla="*/ 643944 w 1416676"/>
+              <a:gd name="connsiteY1" fmla="*/ 1328117 h 1328117"/>
+              <a:gd name="connsiteX2" fmla="*/ 618185 w 1416676"/>
+              <a:gd name="connsiteY2" fmla="*/ 658414 h 1328117"/>
+              <a:gd name="connsiteX3" fmla="*/ 1416676 w 1416676"/>
+              <a:gd name="connsiteY3" fmla="*/ 53108 h 1328117"/>
+              <a:gd name="connsiteX0" fmla="*/ 0 w 1532586"/>
+              <a:gd name="connsiteY0" fmla="*/ 246292 h 1328117"/>
+              <a:gd name="connsiteX1" fmla="*/ 759854 w 1532586"/>
+              <a:gd name="connsiteY1" fmla="*/ 1328117 h 1328117"/>
+              <a:gd name="connsiteX2" fmla="*/ 734095 w 1532586"/>
+              <a:gd name="connsiteY2" fmla="*/ 658414 h 1328117"/>
+              <a:gd name="connsiteX3" fmla="*/ 1532586 w 1532586"/>
+              <a:gd name="connsiteY3" fmla="*/ 53108 h 1328117"/>
+              <a:gd name="connsiteX0" fmla="*/ 0 w 1532586"/>
+              <a:gd name="connsiteY0" fmla="*/ 238013 h 654753"/>
+              <a:gd name="connsiteX1" fmla="*/ 412124 w 1532586"/>
+              <a:gd name="connsiteY1" fmla="*/ 366801 h 654753"/>
+              <a:gd name="connsiteX2" fmla="*/ 734095 w 1532586"/>
+              <a:gd name="connsiteY2" fmla="*/ 650135 h 654753"/>
+              <a:gd name="connsiteX3" fmla="*/ 1532586 w 1532586"/>
+              <a:gd name="connsiteY3" fmla="*/ 44829 h 654753"/>
+              <a:gd name="connsiteX0" fmla="*/ 0 w 1352282"/>
+              <a:gd name="connsiteY0" fmla="*/ 0 h 759853"/>
+              <a:gd name="connsiteX1" fmla="*/ 412124 w 1352282"/>
+              <a:gd name="connsiteY1" fmla="*/ 128788 h 759853"/>
+              <a:gd name="connsiteX2" fmla="*/ 734095 w 1352282"/>
+              <a:gd name="connsiteY2" fmla="*/ 412122 h 759853"/>
+              <a:gd name="connsiteX3" fmla="*/ 1352282 w 1352282"/>
+              <a:gd name="connsiteY3" fmla="*/ 759853 h 759853"/>
+              <a:gd name="connsiteX0" fmla="*/ 0 w 1352282"/>
+              <a:gd name="connsiteY0" fmla="*/ 0 h 759853"/>
+              <a:gd name="connsiteX1" fmla="*/ 734095 w 1352282"/>
+              <a:gd name="connsiteY1" fmla="*/ 412122 h 759853"/>
+              <a:gd name="connsiteX2" fmla="*/ 1352282 w 1352282"/>
+              <a:gd name="connsiteY2" fmla="*/ 759853 h 759853"/>
+              <a:gd name="connsiteX0" fmla="*/ 0 w 1352282"/>
+              <a:gd name="connsiteY0" fmla="*/ 0 h 759853"/>
+              <a:gd name="connsiteX1" fmla="*/ 631064 w 1352282"/>
+              <a:gd name="connsiteY1" fmla="*/ 25756 h 759853"/>
+              <a:gd name="connsiteX2" fmla="*/ 1352282 w 1352282"/>
+              <a:gd name="connsiteY2" fmla="*/ 759853 h 759853"/>
+              <a:gd name="connsiteX0" fmla="*/ 0 w 1352282"/>
+              <a:gd name="connsiteY0" fmla="*/ 0 h 759853"/>
+              <a:gd name="connsiteX1" fmla="*/ 631064 w 1352282"/>
+              <a:gd name="connsiteY1" fmla="*/ 25756 h 759853"/>
+              <a:gd name="connsiteX2" fmla="*/ 1352282 w 1352282"/>
+              <a:gd name="connsiteY2" fmla="*/ 759853 h 759853"/>
+            </a:gdLst>
+            <a:ahLst/>
+            <a:cxnLst>
+              <a:cxn ang="0">
+                <a:pos x="connsiteX0" y="connsiteY0"/>
+              </a:cxn>
+              <a:cxn ang="0">
+                <a:pos x="connsiteX1" y="connsiteY1"/>
+              </a:cxn>
+              <a:cxn ang="0">
+                <a:pos x="connsiteX2" y="connsiteY2"/>
+              </a:cxn>
+            </a:cxnLst>
+            <a:rect l="l" t="t" r="r" b="b"/>
+            <a:pathLst>
+              <a:path w="1352282" h="759853">
+                <a:moveTo>
+                  <a:pt x="0" y="0"/>
+                </a:moveTo>
+                <a:cubicBezTo>
+                  <a:pt x="210355" y="8585"/>
+                  <a:pt x="294067" y="-15028"/>
+                  <a:pt x="631064" y="25756"/>
+                </a:cubicBezTo>
+                <a:cubicBezTo>
+                  <a:pt x="968061" y="66540"/>
+                  <a:pt x="753951" y="521058"/>
+                  <a:pt x="1352282" y="759853"/>
+                </a:cubicBezTo>
+              </a:path>
+            </a:pathLst>
+          </a:custGeom>
+          <a:noFill/>
+        </p:spPr>
+        <p:style>
+          <a:lnRef idx="2">
+            <a:schemeClr val="accent1">
+              <a:shade val="50000"/>
+            </a:schemeClr>
+          </a:lnRef>
+          <a:fillRef idx="1">
+            <a:schemeClr val="accent1"/>
+          </a:fillRef>
+          <a:effectRef idx="0">
+            <a:schemeClr val="accent1"/>
+          </a:effectRef>
+          <a:fontRef idx="minor">
+            <a:schemeClr val="lt1"/>
+          </a:fontRef>
+        </p:style>
+        <p:txBody>
+          <a:bodyPr rtlCol="0" anchor="ctr"/>
+          <a:lstStyle/>
+          <a:p>
+            <a:pPr algn="ctr"/>
+            <a:endParaRPr lang="pt-BR"/>
+          </a:p>
+        </p:txBody>
+      </p:sp>
+      <p:sp>
+        <p:nvSpPr>
+          <p:cNvPr id="26" name="Forma Livre: Forma 25">
+            <a:extLst>
+              <a:ext uri="{FF2B5EF4-FFF2-40B4-BE49-F238E27FC236}">
+                <a16:creationId xmlns:a16="http://schemas.microsoft.com/office/drawing/2014/main" id="{717993D3-0B97-57CC-6AAE-558310C4A44A}"/>
+              </a:ext>
+            </a:extLst>
+          </p:cNvPr>
+          <p:cNvSpPr/>
+          <p:nvPr/>
+        </p:nvSpPr>
+        <p:spPr>
+          <a:xfrm>
+            <a:off x="3812145" y="5559863"/>
+            <a:ext cx="1429556" cy="351722"/>
+          </a:xfrm>
+          <a:custGeom>
+            <a:avLst/>
+            <a:gdLst>
+              <a:gd name="connsiteX0" fmla="*/ 0 w 6194738"/>
+              <a:gd name="connsiteY0" fmla="*/ 0 h 1790833"/>
+              <a:gd name="connsiteX1" fmla="*/ 1803042 w 6194738"/>
+              <a:gd name="connsiteY1" fmla="*/ 1133341 h 1790833"/>
+              <a:gd name="connsiteX2" fmla="*/ 1803042 w 6194738"/>
+              <a:gd name="connsiteY2" fmla="*/ 1133341 h 1790833"/>
+              <a:gd name="connsiteX3" fmla="*/ 3322749 w 6194738"/>
+              <a:gd name="connsiteY3" fmla="*/ 553792 h 1790833"/>
+              <a:gd name="connsiteX4" fmla="*/ 5525037 w 6194738"/>
+              <a:gd name="connsiteY4" fmla="*/ 1674254 h 1790833"/>
+              <a:gd name="connsiteX5" fmla="*/ 6194738 w 6194738"/>
+              <a:gd name="connsiteY5" fmla="*/ 1700011 h 1790833"/>
+              <a:gd name="connsiteX0" fmla="*/ 0 w 4391696"/>
+              <a:gd name="connsiteY0" fmla="*/ 589133 h 1246625"/>
+              <a:gd name="connsiteX1" fmla="*/ 0 w 4391696"/>
+              <a:gd name="connsiteY1" fmla="*/ 589133 h 1246625"/>
+              <a:gd name="connsiteX2" fmla="*/ 1519707 w 4391696"/>
+              <a:gd name="connsiteY2" fmla="*/ 9584 h 1246625"/>
+              <a:gd name="connsiteX3" fmla="*/ 3721995 w 4391696"/>
+              <a:gd name="connsiteY3" fmla="*/ 1130046 h 1246625"/>
+              <a:gd name="connsiteX4" fmla="*/ 4391696 w 4391696"/>
+              <a:gd name="connsiteY4" fmla="*/ 1155803 h 1246625"/>
+              <a:gd name="connsiteX0" fmla="*/ 0 w 4391696"/>
+              <a:gd name="connsiteY0" fmla="*/ 589947 h 1156617"/>
+              <a:gd name="connsiteX1" fmla="*/ 0 w 4391696"/>
+              <a:gd name="connsiteY1" fmla="*/ 589947 h 1156617"/>
+              <a:gd name="connsiteX2" fmla="*/ 1519707 w 4391696"/>
+              <a:gd name="connsiteY2" fmla="*/ 10398 h 1156617"/>
+              <a:gd name="connsiteX3" fmla="*/ 4391696 w 4391696"/>
+              <a:gd name="connsiteY3" fmla="*/ 1156617 h 1156617"/>
+              <a:gd name="connsiteX0" fmla="*/ 0 w 1558728"/>
+              <a:gd name="connsiteY0" fmla="*/ 986130 h 986130"/>
+              <a:gd name="connsiteX1" fmla="*/ 0 w 1558728"/>
+              <a:gd name="connsiteY1" fmla="*/ 986130 h 986130"/>
+              <a:gd name="connsiteX2" fmla="*/ 1519707 w 1558728"/>
+              <a:gd name="connsiteY2" fmla="*/ 406581 h 986130"/>
+              <a:gd name="connsiteX3" fmla="*/ 1416676 w 1558728"/>
+              <a:gd name="connsiteY3" fmla="*/ 71730 h 986130"/>
+              <a:gd name="connsiteX0" fmla="*/ 0 w 1416676"/>
+              <a:gd name="connsiteY0" fmla="*/ 971651 h 971651"/>
+              <a:gd name="connsiteX1" fmla="*/ 0 w 1416676"/>
+              <a:gd name="connsiteY1" fmla="*/ 971651 h 971651"/>
+              <a:gd name="connsiteX2" fmla="*/ 618185 w 1416676"/>
+              <a:gd name="connsiteY2" fmla="*/ 546648 h 971651"/>
+              <a:gd name="connsiteX3" fmla="*/ 1416676 w 1416676"/>
+              <a:gd name="connsiteY3" fmla="*/ 57251 h 971651"/>
+              <a:gd name="connsiteX0" fmla="*/ 0 w 1416676"/>
+              <a:gd name="connsiteY0" fmla="*/ 1001763 h 1001763"/>
+              <a:gd name="connsiteX1" fmla="*/ 0 w 1416676"/>
+              <a:gd name="connsiteY1" fmla="*/ 1001763 h 1001763"/>
+              <a:gd name="connsiteX2" fmla="*/ 618185 w 1416676"/>
+              <a:gd name="connsiteY2" fmla="*/ 576760 h 1001763"/>
+              <a:gd name="connsiteX3" fmla="*/ 1416676 w 1416676"/>
+              <a:gd name="connsiteY3" fmla="*/ 87363 h 1001763"/>
+              <a:gd name="connsiteX0" fmla="*/ 0 w 1416676"/>
+              <a:gd name="connsiteY0" fmla="*/ 986314 h 986314"/>
+              <a:gd name="connsiteX1" fmla="*/ 0 w 1416676"/>
+              <a:gd name="connsiteY1" fmla="*/ 986314 h 986314"/>
+              <a:gd name="connsiteX2" fmla="*/ 618185 w 1416676"/>
+              <a:gd name="connsiteY2" fmla="*/ 677220 h 986314"/>
+              <a:gd name="connsiteX3" fmla="*/ 1416676 w 1416676"/>
+              <a:gd name="connsiteY3" fmla="*/ 71914 h 986314"/>
+              <a:gd name="connsiteX0" fmla="*/ 0 w 1416676"/>
+              <a:gd name="connsiteY0" fmla="*/ 1000003 h 1021284"/>
+              <a:gd name="connsiteX1" fmla="*/ 0 w 1416676"/>
+              <a:gd name="connsiteY1" fmla="*/ 1000003 h 1021284"/>
+              <a:gd name="connsiteX2" fmla="*/ 618185 w 1416676"/>
+              <a:gd name="connsiteY2" fmla="*/ 690909 h 1021284"/>
+              <a:gd name="connsiteX3" fmla="*/ 1416676 w 1416676"/>
+              <a:gd name="connsiteY3" fmla="*/ 85603 h 1021284"/>
+              <a:gd name="connsiteX0" fmla="*/ 0 w 1416676"/>
+              <a:gd name="connsiteY0" fmla="*/ 952603 h 1472991"/>
+              <a:gd name="connsiteX1" fmla="*/ 0 w 1416676"/>
+              <a:gd name="connsiteY1" fmla="*/ 952603 h 1472991"/>
+              <a:gd name="connsiteX2" fmla="*/ 643942 w 1416676"/>
+              <a:gd name="connsiteY2" fmla="*/ 1300332 h 1472991"/>
+              <a:gd name="connsiteX3" fmla="*/ 1416676 w 1416676"/>
+              <a:gd name="connsiteY3" fmla="*/ 38203 h 1472991"/>
+              <a:gd name="connsiteX0" fmla="*/ 0 w 1378040"/>
+              <a:gd name="connsiteY0" fmla="*/ 14821 h 365245"/>
+              <a:gd name="connsiteX1" fmla="*/ 0 w 1378040"/>
+              <a:gd name="connsiteY1" fmla="*/ 14821 h 365245"/>
+              <a:gd name="connsiteX2" fmla="*/ 643942 w 1378040"/>
+              <a:gd name="connsiteY2" fmla="*/ 362550 h 365245"/>
+              <a:gd name="connsiteX3" fmla="*/ 1378040 w 1378040"/>
+              <a:gd name="connsiteY3" fmla="*/ 246640 h 365245"/>
+              <a:gd name="connsiteX0" fmla="*/ 0 w 1378040"/>
+              <a:gd name="connsiteY0" fmla="*/ 106091 h 337910"/>
+              <a:gd name="connsiteX1" fmla="*/ 0 w 1378040"/>
+              <a:gd name="connsiteY1" fmla="*/ 106091 h 337910"/>
+              <a:gd name="connsiteX2" fmla="*/ 695458 w 1378040"/>
+              <a:gd name="connsiteY2" fmla="*/ 15938 h 337910"/>
+              <a:gd name="connsiteX3" fmla="*/ 1378040 w 1378040"/>
+              <a:gd name="connsiteY3" fmla="*/ 337910 h 337910"/>
+              <a:gd name="connsiteX0" fmla="*/ 0 w 1429556"/>
+              <a:gd name="connsiteY0" fmla="*/ 107024 h 351722"/>
+              <a:gd name="connsiteX1" fmla="*/ 0 w 1429556"/>
+              <a:gd name="connsiteY1" fmla="*/ 107024 h 351722"/>
+              <a:gd name="connsiteX2" fmla="*/ 695458 w 1429556"/>
+              <a:gd name="connsiteY2" fmla="*/ 16871 h 351722"/>
+              <a:gd name="connsiteX3" fmla="*/ 1429556 w 1429556"/>
+              <a:gd name="connsiteY3" fmla="*/ 351722 h 351722"/>
+            </a:gdLst>
+            <a:ahLst/>
+            <a:cxnLst>
+              <a:cxn ang="0">
+                <a:pos x="connsiteX0" y="connsiteY0"/>
+              </a:cxn>
+              <a:cxn ang="0">
+                <a:pos x="connsiteX1" y="connsiteY1"/>
+              </a:cxn>
+              <a:cxn ang="0">
+                <a:pos x="connsiteX2" y="connsiteY2"/>
+              </a:cxn>
+              <a:cxn ang="0">
+                <a:pos x="connsiteX3" y="connsiteY3"/>
+              </a:cxn>
+            </a:cxnLst>
+            <a:rect l="l" t="t" r="r" b="b"/>
+            <a:pathLst>
+              <a:path w="1429556" h="351722">
+                <a:moveTo>
+                  <a:pt x="0" y="107024"/>
+                </a:moveTo>
+                <a:lnTo>
+                  <a:pt x="0" y="107024"/>
+                </a:lnTo>
+                <a:cubicBezTo>
+                  <a:pt x="253284" y="10433"/>
+                  <a:pt x="457199" y="-23912"/>
+                  <a:pt x="695458" y="16871"/>
+                </a:cubicBezTo>
+                <a:cubicBezTo>
+                  <a:pt x="933717" y="57654"/>
+                  <a:pt x="831225" y="112927"/>
+                  <a:pt x="1429556" y="351722"/>
+                </a:cubicBezTo>
+              </a:path>
+            </a:pathLst>
+          </a:custGeom>
+          <a:noFill/>
+        </p:spPr>
+        <p:style>
+          <a:lnRef idx="2">
+            <a:schemeClr val="accent1">
+              <a:shade val="50000"/>
+            </a:schemeClr>
+          </a:lnRef>
+          <a:fillRef idx="1">
+            <a:schemeClr val="accent1"/>
+          </a:fillRef>
+          <a:effectRef idx="0">
+            <a:schemeClr val="accent1"/>
+          </a:effectRef>
+          <a:fontRef idx="minor">
+            <a:schemeClr val="lt1"/>
+          </a:fontRef>
+        </p:style>
+        <p:txBody>
+          <a:bodyPr rtlCol="0" anchor="ctr"/>
+          <a:lstStyle/>
+          <a:p>
+            <a:pPr algn="ctr"/>
+            <a:endParaRPr lang="pt-BR"/>
+          </a:p>
+        </p:txBody>
+      </p:sp>
+    </p:spTree>
+    <p:extLst>
+      <p:ext uri="{BB962C8B-B14F-4D97-AF65-F5344CB8AC3E}">
+        <p14:creationId xmlns:p14="http://schemas.microsoft.com/office/powerpoint/2010/main" val="723337553"/>
       </p:ext>
     </p:extLst>
   </p:cSld>
